--- a/rhe306-spring2014/documents/logosLecture.pptx
+++ b/rhe306-spring2014/documents/logosLecture.pptx
@@ -9,18 +9,18 @@
   </p:notesMasterIdLst>
   <p:sldIdLst>
     <p:sldId id="256" r:id="rId2"/>
-    <p:sldId id="257" r:id="rId3"/>
+    <p:sldId id="285" r:id="rId3"/>
     <p:sldId id="266" r:id="rId4"/>
     <p:sldId id="259" r:id="rId5"/>
     <p:sldId id="264" r:id="rId6"/>
-    <p:sldId id="267" r:id="rId7"/>
-    <p:sldId id="270" r:id="rId8"/>
-    <p:sldId id="271" r:id="rId9"/>
-    <p:sldId id="268" r:id="rId10"/>
-    <p:sldId id="275" r:id="rId11"/>
-    <p:sldId id="272" r:id="rId12"/>
-    <p:sldId id="269" r:id="rId13"/>
-    <p:sldId id="276" r:id="rId14"/>
+    <p:sldId id="279" r:id="rId7"/>
+    <p:sldId id="257" r:id="rId8"/>
+    <p:sldId id="267" r:id="rId9"/>
+    <p:sldId id="281" r:id="rId10"/>
+    <p:sldId id="283" r:id="rId11"/>
+    <p:sldId id="282" r:id="rId12"/>
+    <p:sldId id="280" r:id="rId13"/>
+    <p:sldId id="284" r:id="rId14"/>
     <p:sldId id="277" r:id="rId15"/>
   </p:sldIdLst>
   <p:sldSz cx="9144000" cy="6858000" type="screen4x3"/>
@@ -205,7 +205,7 @@
           <a:p>
             <a:fld id="{C7D41FAA-B7A4-2E46-867F-180959296F4C}" type="datetimeFigureOut">
               <a:rPr lang="en-US" smtClean="0"/>
-              <a:t>2/26/14</a:t>
+              <a:t>3/3/14</a:t>
             </a:fld>
             <a:endParaRPr lang="en-US"/>
           </a:p>
@@ -519,21 +519,28 @@
           <a:p>
             <a:r>
               <a:rPr lang="en-US" dirty="0" smtClean="0"/>
-              <a:t>Imagine</a:t>
+              <a:t>Ethos:</a:t>
             </a:r>
             <a:r>
               <a:rPr lang="en-US" baseline="0" dirty="0" smtClean="0"/>
-              <a:t> you are batman. (You do not need to know anything about him aside from what you see on the page, but you can use outside information.) You have recently uncovered a plot whereby a group of Russian spies are planning to take over </a:t>
-            </a:r>
-            <a:r>
-              <a:rPr lang="en-US" baseline="0" dirty="0" err="1" smtClean="0"/>
-              <a:t>gotham</a:t>
-            </a:r>
+              <a:t> did you show up as Batman or as Bruce Wayne? Did you refer to your relationships with other people? The good deeds you had done in the past? Your money? </a:t>
+            </a:r>
+          </a:p>
+          <a:p>
             <a:r>
               <a:rPr lang="en-US" baseline="0" dirty="0" smtClean="0"/>
-              <a:t> city. (This is a cold war movie). You need to talk to the city governor, but you’re stopped at the door by a new security guard from out of town who doesn’t know the ropes. Since the information is top-secret, you can’t tell her what’s specifically  happening. How do you convince her to let you in? What do you wear? What do you say about yourself?</a:t>
-            </a:r>
-            <a:endParaRPr lang="en-US" dirty="0"/>
+              <a:t>Pathos: did you talk about the risk of people dying?</a:t>
+            </a:r>
+          </a:p>
+          <a:p>
+            <a:r>
+              <a:rPr lang="en-US" baseline="0" dirty="0" smtClean="0"/>
+              <a:t>Pathos: did you threaten the security guard/ </a:t>
+            </a:r>
+            <a:r>
+              <a:rPr lang="en-US" baseline="0" smtClean="0"/>
+              <a:t>produce fear?</a:t>
+            </a:r>
           </a:p>
         </p:txBody>
       </p:sp>
@@ -564,6 +571,98 @@
     <p:extLst>
       <p:ext uri="{BB962C8B-B14F-4D97-AF65-F5344CB8AC3E}">
         <p14:creationId xmlns:p14="http://schemas.microsoft.com/office/powerpoint/2010/main" val="855573752"/>
+      </p:ext>
+    </p:extLst>
+  </p:cSld>
+  <p:clrMapOvr>
+    <a:masterClrMapping/>
+  </p:clrMapOvr>
+</p:notes>
+</file>
+
+<file path=ppt/notesSlides/notesSlide2.xml><?xml version="1.0" encoding="utf-8"?>
+<p:notes xmlns:a="http://schemas.openxmlformats.org/drawingml/2006/main" xmlns:r="http://schemas.openxmlformats.org/officeDocument/2006/relationships" xmlns:p="http://schemas.openxmlformats.org/presentationml/2006/main">
+  <p:cSld>
+    <p:spTree>
+      <p:nvGrpSpPr>
+        <p:cNvPr id="1" name=""/>
+        <p:cNvGrpSpPr/>
+        <p:nvPr/>
+      </p:nvGrpSpPr>
+      <p:grpSpPr>
+        <a:xfrm>
+          <a:off x="0" y="0"/>
+          <a:ext cx="0" cy="0"/>
+          <a:chOff x="0" y="0"/>
+          <a:chExt cx="0" cy="0"/>
+        </a:xfrm>
+      </p:grpSpPr>
+      <p:sp>
+        <p:nvSpPr>
+          <p:cNvPr id="2" name="Slide Image Placeholder 1"/>
+          <p:cNvSpPr>
+            <a:spLocks noGrp="1" noRot="1" noChangeAspect="1"/>
+          </p:cNvSpPr>
+          <p:nvPr>
+            <p:ph type="sldImg"/>
+          </p:nvPr>
+        </p:nvSpPr>
+        <p:spPr/>
+      </p:sp>
+      <p:sp>
+        <p:nvSpPr>
+          <p:cNvPr id="3" name="Notes Placeholder 2"/>
+          <p:cNvSpPr>
+            <a:spLocks noGrp="1"/>
+          </p:cNvSpPr>
+          <p:nvPr>
+            <p:ph type="body" idx="1"/>
+          </p:nvPr>
+        </p:nvSpPr>
+        <p:spPr/>
+        <p:txBody>
+          <a:bodyPr/>
+          <a:lstStyle/>
+          <a:p>
+            <a:r>
+              <a:rPr lang="en-US" dirty="0" smtClean="0"/>
+              <a:t>For all “x” such that P of X , T of X (where P is perjure</a:t>
+            </a:r>
+            <a:r>
+              <a:rPr lang="en-US" baseline="0" dirty="0" smtClean="0"/>
+              <a:t> and T is trust) , </a:t>
+            </a:r>
+            <a:endParaRPr lang="en-US" dirty="0"/>
+          </a:p>
+        </p:txBody>
+      </p:sp>
+      <p:sp>
+        <p:nvSpPr>
+          <p:cNvPr id="4" name="Slide Number Placeholder 3"/>
+          <p:cNvSpPr>
+            <a:spLocks noGrp="1"/>
+          </p:cNvSpPr>
+          <p:nvPr>
+            <p:ph type="sldNum" sz="quarter" idx="10"/>
+          </p:nvPr>
+        </p:nvSpPr>
+        <p:spPr/>
+        <p:txBody>
+          <a:bodyPr/>
+          <a:lstStyle/>
+          <a:p>
+            <a:fld id="{DD3BD7E7-A791-E34D-8ACB-3FF9B0B3B6AE}" type="slidenum">
+              <a:rPr lang="en-US" smtClean="0"/>
+              <a:t>11</a:t>
+            </a:fld>
+            <a:endParaRPr lang="en-US"/>
+          </a:p>
+        </p:txBody>
+      </p:sp>
+    </p:spTree>
+    <p:extLst>
+      <p:ext uri="{BB962C8B-B14F-4D97-AF65-F5344CB8AC3E}">
+        <p14:creationId xmlns:p14="http://schemas.microsoft.com/office/powerpoint/2010/main" val="1389447824"/>
       </p:ext>
     </p:extLst>
   </p:cSld>
@@ -854,7 +953,7 @@
             <a:fld id="{451DEABC-D766-4322-8E78-B830FAE35C72}" type="datetime4">
               <a:rPr lang="en-US" smtClean="0"/>
               <a:pPr/>
-              <a:t>February 26, 2014</a:t>
+              <a:t>March 3, 2014</a:t>
             </a:fld>
             <a:endParaRPr lang="en-US" dirty="0"/>
           </a:p>
@@ -1249,7 +1348,7 @@
             <a:fld id="{F3131F9E-604E-4343-9F29-EF72E8231CAD}" type="datetime4">
               <a:rPr lang="en-US" smtClean="0"/>
               <a:pPr/>
-              <a:t>February 26, 2014</a:t>
+              <a:t>March 3, 2014</a:t>
             </a:fld>
             <a:endParaRPr lang="en-US"/>
           </a:p>
@@ -1784,7 +1883,7 @@
             <a:fld id="{34A8E1CE-37F8-4102-8DF9-852A0A51F293}" type="datetime4">
               <a:rPr lang="en-US" smtClean="0"/>
               <a:pPr/>
-              <a:t>February 26, 2014</a:t>
+              <a:t>March 3, 2014</a:t>
             </a:fld>
             <a:endParaRPr lang="en-US"/>
           </a:p>
@@ -1918,7 +2017,7 @@
             <a:fld id="{93333F43-3E86-47E4-BFBB-2476D384E1C6}" type="datetime4">
               <a:rPr lang="en-US" smtClean="0"/>
               <a:pPr/>
-              <a:t>February 26, 2014</a:t>
+              <a:t>March 3, 2014</a:t>
             </a:fld>
             <a:endParaRPr lang="en-US"/>
           </a:p>
@@ -2463,7 +2562,7 @@
             <a:fld id="{751663BA-01FC-4367-B6F3-ABB2645D55F1}" type="datetime4">
               <a:rPr lang="en-US" smtClean="0"/>
               <a:pPr/>
-              <a:t>February 26, 2014</a:t>
+              <a:t>March 3, 2014</a:t>
             </a:fld>
             <a:endParaRPr lang="en-US" dirty="0"/>
           </a:p>
@@ -2760,7 +2859,7 @@
             <a:fld id="{79B19C71-EC74-44AF-B27E-FC7DC3C3A61D}" type="datetime4">
               <a:rPr lang="en-US" smtClean="0"/>
               <a:pPr/>
-              <a:t>February 26, 2014</a:t>
+              <a:t>March 3, 2014</a:t>
             </a:fld>
             <a:endParaRPr lang="en-US"/>
           </a:p>
@@ -3421,7 +3520,7 @@
             <a:fld id="{6A5CDA29-3CBE-48EA-92AE-A996835462BA}" type="datetime4">
               <a:rPr lang="en-US" smtClean="0"/>
               <a:pPr/>
-              <a:t>February 26, 2014</a:t>
+              <a:t>March 3, 2014</a:t>
             </a:fld>
             <a:endParaRPr lang="en-US"/>
           </a:p>
@@ -3859,7 +3958,7 @@
             <a:fld id="{E29EC054-3869-4501-B163-1BBFDE8DCE04}" type="datetime4">
               <a:rPr lang="en-US" smtClean="0"/>
               <a:pPr/>
-              <a:t>February 26, 2014</a:t>
+              <a:t>March 3, 2014</a:t>
             </a:fld>
             <a:endParaRPr lang="en-US"/>
           </a:p>
@@ -4174,7 +4273,7 @@
             <a:fld id="{0A63D831-56C1-49CF-8EF7-8B9A98402BCD}" type="datetime4">
               <a:rPr lang="en-US" smtClean="0"/>
               <a:pPr/>
-              <a:t>February 26, 2014</a:t>
+              <a:t>March 3, 2014</a:t>
             </a:fld>
             <a:endParaRPr lang="en-US"/>
           </a:p>
@@ -4909,7 +5008,7 @@
             <a:fld id="{6EAD5615-7F4F-4584-84D5-CC95918C321F}" type="datetime4">
               <a:rPr lang="en-US" smtClean="0"/>
               <a:pPr/>
-              <a:t>February 26, 2014</a:t>
+              <a:t>March 3, 2014</a:t>
             </a:fld>
             <a:endParaRPr lang="en-US"/>
           </a:p>
@@ -5575,7 +5674,7 @@
             <a:fld id="{76EEA923-9BEE-48CE-9F28-5B525F399BAD}" type="datetime4">
               <a:rPr lang="en-US" smtClean="0"/>
               <a:pPr/>
-              <a:t>February 26, 2014</a:t>
+              <a:t>March 3, 2014</a:t>
             </a:fld>
             <a:endParaRPr lang="en-US"/>
           </a:p>
@@ -5849,7 +5948,7 @@
             <a:fld id="{17D0EFEE-2756-4A20-BF2A-63F0A94F99AC}" type="datetime4">
               <a:rPr lang="en-US" smtClean="0"/>
               <a:pPr/>
-              <a:t>February 26, 2014</a:t>
+              <a:t>March 3, 2014</a:t>
             </a:fld>
             <a:endParaRPr lang="en-US" dirty="0"/>
           </a:p>
@@ -6545,7 +6644,7 @@
             </a:r>
             <a:r>
               <a:rPr lang="en-US" dirty="0" smtClean="0"/>
-              <a:t>creating persuasive emotions</a:t>
+              <a:t>sounding reasonable</a:t>
             </a:r>
             <a:endParaRPr lang="en-US" dirty="0"/>
           </a:p>
@@ -6572,7 +6671,7 @@
             </a:r>
             <a:r>
               <a:rPr lang="en-US" dirty="0" smtClean="0"/>
-              <a:t>feelings</a:t>
+              <a:t>truth</a:t>
             </a:r>
             <a:endParaRPr lang="en-US" dirty="0"/>
           </a:p>
@@ -6632,7 +6731,7 @@
           <a:p>
             <a:r>
               <a:rPr lang="en-US" dirty="0" smtClean="0"/>
-              <a:t>Analyzing Emotions</a:t>
+              <a:t>Analyzing Logic: A basic argument</a:t>
             </a:r>
             <a:endParaRPr lang="en-US" dirty="0"/>
           </a:p>
@@ -6655,107 +6754,39 @@
           <a:p>
             <a:r>
               <a:rPr lang="en-US" dirty="0" smtClean="0"/>
-              <a:t>What emotions are being evoked, and why?</a:t>
+              <a:t>Modus Ponens: You’re going to die.</a:t>
             </a:r>
           </a:p>
           <a:p>
             <a:pPr lvl="1"/>
             <a:r>
-              <a:rPr lang="en-US" dirty="0" smtClean="0">
-                <a:solidFill>
-                  <a:schemeClr val="accent1"/>
-                </a:solidFill>
-              </a:rPr>
-              <a:t>Emotional Keywords</a:t>
-            </a:r>
-            <a:r>
               <a:rPr lang="en-US" dirty="0" smtClean="0"/>
-              <a:t>: words that suggest emotional content. Thrilled! Terrified! Saddened! Disappointed!</a:t>
-            </a:r>
-            <a:br>
+              <a:t>(“Every man is mortal; Socrates is a man; therefore, Socrates is mortal”)</a:t>
+            </a:r>
+          </a:p>
+          <a:p>
+            <a:pPr lvl="2"/>
+            <a:r>
               <a:rPr lang="en-US" dirty="0" smtClean="0"/>
-            </a:br>
-            <a:endParaRPr lang="en-US" dirty="0" smtClean="0">
-              <a:solidFill>
-                <a:srgbClr val="D16349"/>
-              </a:solidFill>
-            </a:endParaRPr>
-          </a:p>
-          <a:p>
-            <a:pPr lvl="1"/>
-            <a:r>
-              <a:rPr lang="en-US" dirty="0" smtClean="0">
-                <a:solidFill>
-                  <a:srgbClr val="D16349"/>
-                </a:solidFill>
-              </a:rPr>
-              <a:t>Honorific Language: </a:t>
-            </a:r>
-            <a:r>
-              <a:rPr lang="en-US" dirty="0" smtClean="0">
-                <a:solidFill>
-                  <a:srgbClr val="646B86"/>
-                </a:solidFill>
-              </a:rPr>
-              <a:t>Great, wonderful, fabulous, delightful</a:t>
-            </a:r>
-            <a:br>
-              <a:rPr lang="en-US" dirty="0" smtClean="0">
-                <a:solidFill>
-                  <a:srgbClr val="646B86"/>
-                </a:solidFill>
-              </a:rPr>
-            </a:br>
-            <a:endParaRPr lang="en-US" dirty="0" smtClean="0">
-              <a:solidFill>
-                <a:srgbClr val="646B86"/>
-              </a:solidFill>
-            </a:endParaRPr>
-          </a:p>
-          <a:p>
-            <a:pPr lvl="1"/>
-            <a:r>
-              <a:rPr lang="en-US" dirty="0" smtClean="0">
-                <a:solidFill>
-                  <a:srgbClr val="D16349"/>
-                </a:solidFill>
-              </a:rPr>
-              <a:t>Disparaging Language: </a:t>
-            </a:r>
+              <a:t>Every man is mortal </a:t>
+            </a:r>
+          </a:p>
+          <a:p>
+            <a:pPr lvl="2"/>
             <a:r>
               <a:rPr lang="en-US" dirty="0" smtClean="0"/>
-              <a:t>terrible, embarrassing, offensive, stupid</a:t>
-            </a:r>
-            <a:br>
+              <a:t>Socrates is a man </a:t>
+            </a:r>
+          </a:p>
+          <a:p>
+            <a:pPr lvl="2"/>
+            <a:r>
               <a:rPr lang="en-US" dirty="0" smtClean="0"/>
-            </a:br>
-            <a:endParaRPr lang="en-US" dirty="0" smtClean="0"/>
-          </a:p>
-          <a:p>
-            <a:pPr lvl="1"/>
-            <a:r>
-              <a:rPr lang="en-US" dirty="0" smtClean="0">
-                <a:solidFill>
-                  <a:srgbClr val="D16349"/>
-                </a:solidFill>
-              </a:rPr>
-              <a:t>Emotional Connections</a:t>
-            </a:r>
-            <a:r>
-              <a:rPr lang="en-US" dirty="0" smtClean="0"/>
-              <a:t>: Anecdotes, references, images, music</a:t>
-            </a:r>
-          </a:p>
-          <a:p>
-            <a:pPr lvl="1"/>
-            <a:endParaRPr lang="en-US" dirty="0" smtClean="0"/>
-          </a:p>
-          <a:p>
-            <a:pPr lvl="1"/>
-            <a:endParaRPr lang="en-US" dirty="0" smtClean="0"/>
-          </a:p>
-          <a:p>
-            <a:pPr lvl="1"/>
+              <a:t>Therefore, Socrates is mortal</a:t>
+            </a:r>
+          </a:p>
+          <a:p>
+            <a:pPr lvl="2"/>
             <a:endParaRPr lang="en-US" dirty="0"/>
           </a:p>
         </p:txBody>
@@ -6763,20 +6794,13 @@
     </p:spTree>
     <p:extLst>
       <p:ext uri="{BB962C8B-B14F-4D97-AF65-F5344CB8AC3E}">
-        <p14:creationId xmlns:p14="http://schemas.microsoft.com/office/powerpoint/2010/main" val="1618303154"/>
+        <p14:creationId xmlns:p14="http://schemas.microsoft.com/office/powerpoint/2010/main" val="594472796"/>
       </p:ext>
     </p:extLst>
   </p:cSld>
   <p:clrMapOvr>
     <a:masterClrMapping/>
   </p:clrMapOvr>
-  <p:timing>
-    <p:tnLst>
-      <p:par>
-        <p:cTn xmlns:p14="http://schemas.microsoft.com/office/powerpoint/2010/main" id="1" dur="indefinite" restart="never" nodeType="tmRoot"/>
-      </p:par>
-    </p:tnLst>
-  </p:timing>
 </p:sld>
 </file>
 
@@ -6814,70 +6838,129 @@
           <a:p>
             <a:r>
               <a:rPr lang="en-US" dirty="0" smtClean="0"/>
-              <a:t>Meet Sid Miller</a:t>
+              <a:t>Analyzing Logic: More Basic Arguments</a:t>
             </a:r>
             <a:endParaRPr lang="en-US" dirty="0"/>
           </a:p>
         </p:txBody>
       </p:sp>
-      <p:pic>
-        <p:nvPicPr>
-          <p:cNvPr id="4" name="Content Placeholder 3" descr="Screen Shot 2014-02-27 at 8.21.37 AM.png"/>
-          <p:cNvPicPr>
-            <a:picLocks noGrp="1" noChangeAspect="1"/>
-          </p:cNvPicPr>
+      <p:sp>
+        <p:nvSpPr>
+          <p:cNvPr id="3" name="Content Placeholder 2"/>
+          <p:cNvSpPr>
+            <a:spLocks noGrp="1"/>
+          </p:cNvSpPr>
           <p:nvPr>
             <p:ph sz="quarter" idx="1"/>
           </p:nvPr>
-        </p:nvPicPr>
-        <p:blipFill>
-          <a:blip r:embed="rId2">
-            <a:extLst>
-              <a:ext uri="{28A0092B-C50C-407E-A947-70E740481C1C}">
-                <a14:useLocalDpi xmlns:a14="http://schemas.microsoft.com/office/drawing/2010/main" val="0"/>
-              </a:ext>
-            </a:extLst>
-          </a:blip>
-          <a:srcRect t="2532" b="2532"/>
-          <a:stretch>
-            <a:fillRect/>
-          </a:stretch>
-        </p:blipFill>
+        </p:nvSpPr>
         <p:spPr/>
-      </p:pic>
-      <p:sp>
-        <p:nvSpPr>
-          <p:cNvPr id="5" name="TextBox 4"/>
-          <p:cNvSpPr txBox="1"/>
-          <p:nvPr/>
-        </p:nvSpPr>
-        <p:spPr>
-          <a:xfrm>
-            <a:off x="5946737" y="6068270"/>
-            <a:ext cx="2764624" cy="307777"/>
-          </a:xfrm>
-          <a:prstGeom prst="rect">
-            <a:avLst/>
-          </a:prstGeom>
-          <a:noFill/>
-        </p:spPr>
-        <p:txBody>
-          <a:bodyPr wrap="none" rtlCol="0">
-            <a:spAutoFit/>
+        <p:txBody>
+          <a:bodyPr>
+            <a:normAutofit/>
           </a:bodyPr>
           <a:lstStyle/>
           <a:p>
             <a:r>
-              <a:rPr lang="en-US" sz="1400" dirty="0"/>
-              <a:t>http://</a:t>
-            </a:r>
-            <a:r>
-              <a:rPr lang="en-US" sz="1400" dirty="0" err="1"/>
-              <a:t>www.millerfortexas.com</a:t>
-            </a:r>
-            <a:r>
-              <a:rPr lang="en-US" sz="1400" dirty="0"/>
-              <a:t>/</a:t>
+              <a:rPr lang="en-US" dirty="0" smtClean="0"/>
+              <a:t>We cannot trust this man, for he has perjured himself in the past.</a:t>
+            </a:r>
+            <a:endParaRPr lang="en-US" dirty="0"/>
+          </a:p>
+          <a:p>
+            <a:pPr lvl="1"/>
+            <a:r>
+              <a:rPr lang="en-US" dirty="0" smtClean="0"/>
+              <a:t>Those </a:t>
+            </a:r>
+            <a:r>
+              <a:rPr lang="en-US" dirty="0"/>
+              <a:t>who perjure themselves cannot be trusted. (Major premise </a:t>
+            </a:r>
+            <a:r>
+              <a:rPr lang="en-US" dirty="0" smtClean="0"/>
+              <a:t>– </a:t>
+            </a:r>
+            <a:r>
+              <a:rPr lang="en-US" dirty="0"/>
+              <a:t>omitted</a:t>
+            </a:r>
+            <a:r>
+              <a:rPr lang="en-US" dirty="0" smtClean="0"/>
+              <a:t>)</a:t>
+            </a:r>
+          </a:p>
+          <a:p>
+            <a:pPr lvl="1"/>
+            <a:r>
+              <a:rPr lang="en-US" dirty="0" smtClean="0"/>
+              <a:t>This </a:t>
+            </a:r>
+            <a:r>
+              <a:rPr lang="en-US" dirty="0"/>
+              <a:t>man has perjured himself in the past. (Minor premise </a:t>
+            </a:r>
+            <a:r>
+              <a:rPr lang="en-US" dirty="0" smtClean="0"/>
+              <a:t>– </a:t>
+            </a:r>
+            <a:r>
+              <a:rPr lang="en-US" dirty="0"/>
+              <a:t>stated</a:t>
+            </a:r>
+            <a:r>
+              <a:rPr lang="en-US" dirty="0" smtClean="0"/>
+              <a:t>)</a:t>
+            </a:r>
+          </a:p>
+          <a:p>
+            <a:pPr lvl="1"/>
+            <a:r>
+              <a:rPr lang="en-US" dirty="0" smtClean="0"/>
+              <a:t>This </a:t>
+            </a:r>
+            <a:r>
+              <a:rPr lang="en-US" dirty="0"/>
+              <a:t>man is not to be trusted. (Conclusion - stated</a:t>
+            </a:r>
+            <a:r>
+              <a:rPr lang="en-US" dirty="0" smtClean="0"/>
+              <a:t>)</a:t>
+            </a:r>
+          </a:p>
+          <a:p>
+            <a:r>
+              <a:rPr lang="en-US" dirty="0" smtClean="0"/>
+              <a:t>In logic:</a:t>
+            </a:r>
+          </a:p>
+          <a:p>
+            <a:pPr lvl="1"/>
+            <a:r>
+              <a:rPr lang="en-US" dirty="0" err="1" smtClean="0"/>
+              <a:t>Forall</a:t>
+            </a:r>
+            <a:r>
+              <a:rPr lang="en-US" dirty="0" smtClean="0"/>
+              <a:t> x . [P(x) -&gt; ~T(x)]</a:t>
+            </a:r>
+          </a:p>
+          <a:p>
+            <a:pPr lvl="1"/>
+            <a:r>
+              <a:rPr lang="en-US" dirty="0" smtClean="0"/>
+              <a:t>P(m)</a:t>
+            </a:r>
+          </a:p>
+          <a:p>
+            <a:pPr lvl="1"/>
+            <a:r>
+              <a:rPr lang="en-US" dirty="0"/>
+              <a:t>T</a:t>
+            </a:r>
+            <a:r>
+              <a:rPr lang="en-US" dirty="0" smtClean="0"/>
+              <a:t>herefore, ~T(x)</a:t>
             </a:r>
           </a:p>
         </p:txBody>
@@ -6885,20 +6968,13 @@
     </p:spTree>
     <p:extLst>
       <p:ext uri="{BB962C8B-B14F-4D97-AF65-F5344CB8AC3E}">
-        <p14:creationId xmlns:p14="http://schemas.microsoft.com/office/powerpoint/2010/main" val="3236997719"/>
+        <p14:creationId xmlns:p14="http://schemas.microsoft.com/office/powerpoint/2010/main" val="185300881"/>
       </p:ext>
     </p:extLst>
   </p:cSld>
   <p:clrMapOvr>
     <a:masterClrMapping/>
   </p:clrMapOvr>
-  <p:timing>
-    <p:tnLst>
-      <p:par>
-        <p:cTn xmlns:p14="http://schemas.microsoft.com/office/powerpoint/2010/main" id="1" dur="indefinite" restart="never" nodeType="tmRoot"/>
-      </p:par>
-    </p:tnLst>
-  </p:timing>
 </p:sld>
 </file>
 
@@ -6936,11 +7012,7 @@
           <a:p>
             <a:r>
               <a:rPr lang="en-US" dirty="0" smtClean="0"/>
-              <a:t>Meet Joe </a:t>
-            </a:r>
-            <a:r>
-              <a:rPr lang="en-US" dirty="0" err="1" smtClean="0"/>
-              <a:t>Cotten</a:t>
+              <a:t>Texas Voter ID Laws</a:t>
             </a:r>
             <a:endParaRPr lang="en-US" dirty="0"/>
           </a:p>
@@ -6948,88 +7020,78 @@
       </p:sp>
       <p:sp>
         <p:nvSpPr>
-          <p:cNvPr id="3" name="TextBox 2"/>
-          <p:cNvSpPr txBox="1"/>
-          <p:nvPr/>
-        </p:nvSpPr>
-        <p:spPr>
-          <a:xfrm>
-            <a:off x="3066968" y="5463635"/>
-            <a:ext cx="3441968" cy="369332"/>
-          </a:xfrm>
-          <a:prstGeom prst="rect">
-            <a:avLst/>
-          </a:prstGeom>
-          <a:noFill/>
-        </p:spPr>
-        <p:txBody>
-          <a:bodyPr wrap="none" rtlCol="0">
-            <a:spAutoFit/>
-          </a:bodyPr>
-          <a:lstStyle/>
-          <a:p>
-            <a:r>
-              <a:rPr lang="en-US" dirty="0"/>
-              <a:t>http://</a:t>
-            </a:r>
-            <a:r>
-              <a:rPr lang="en-US" dirty="0" err="1"/>
-              <a:t>youtu.be</a:t>
-            </a:r>
-            <a:r>
-              <a:rPr lang="en-US" dirty="0"/>
-              <a:t>/AfcdCpu0TWA</a:t>
-            </a:r>
-          </a:p>
-        </p:txBody>
-      </p:sp>
-      <p:pic>
-        <p:nvPicPr>
-          <p:cNvPr id="4" name="Picture 3" descr="Screen Shot 2014-02-27 at 8.19.08 AM.png"/>
-          <p:cNvPicPr>
-            <a:picLocks noChangeAspect="1"/>
-          </p:cNvPicPr>
-          <p:nvPr/>
-        </p:nvPicPr>
-        <p:blipFill>
-          <a:blip r:embed="rId2">
-            <a:extLst>
-              <a:ext uri="{28A0092B-C50C-407E-A947-70E740481C1C}">
-                <a14:useLocalDpi xmlns:a14="http://schemas.microsoft.com/office/drawing/2010/main" val="0"/>
-              </a:ext>
-            </a:extLst>
-          </a:blip>
-          <a:stretch>
-            <a:fillRect/>
-          </a:stretch>
-        </p:blipFill>
-        <p:spPr>
-          <a:xfrm>
-            <a:off x="2290955" y="1491906"/>
-            <a:ext cx="4585765" cy="3811654"/>
-          </a:xfrm>
-          <a:prstGeom prst="rect">
-            <a:avLst/>
-          </a:prstGeom>
-        </p:spPr>
-      </p:pic>
+          <p:cNvPr id="3" name="Content Placeholder 2"/>
+          <p:cNvSpPr>
+            <a:spLocks noGrp="1"/>
+          </p:cNvSpPr>
+          <p:nvPr>
+            <p:ph sz="quarter" idx="1"/>
+          </p:nvPr>
+        </p:nvSpPr>
+        <p:spPr/>
+        <p:txBody>
+          <a:bodyPr/>
+          <a:lstStyle/>
+          <a:p>
+            <a:r>
+              <a:rPr lang="en-US" dirty="0" smtClean="0"/>
+              <a:t>Sandra Watts and the Texas Voter ID Laws Controversy</a:t>
+            </a:r>
+          </a:p>
+          <a:p>
+            <a:pPr lvl="1"/>
+            <a:r>
+              <a:rPr lang="en-US" dirty="0">
+                <a:hlinkClick r:id="rId2"/>
+              </a:rPr>
+              <a:t>http://youtu.be/</a:t>
+            </a:r>
+            <a:r>
+              <a:rPr lang="en-US" dirty="0" smtClean="0">
+                <a:hlinkClick r:id="rId2"/>
+              </a:rPr>
+              <a:t>PPQsJKpZKCM</a:t>
+            </a:r>
+            <a:endParaRPr lang="en-US" dirty="0" smtClean="0"/>
+          </a:p>
+          <a:p>
+            <a:r>
+              <a:rPr lang="en-US" dirty="0" smtClean="0"/>
+              <a:t>Rick Perry Rebuttal to the DOJ concerns</a:t>
+            </a:r>
+          </a:p>
+          <a:p>
+            <a:pPr lvl="1"/>
+            <a:r>
+              <a:rPr lang="en-US" dirty="0">
+                <a:hlinkClick r:id="rId3"/>
+              </a:rPr>
+              <a:t>http://video.foxnews.com/v/2625289022001/gov-perry-on-doj-plan-to-sue-texas-over-voter-id-law</a:t>
+            </a:r>
+            <a:r>
+              <a:rPr lang="en-US" dirty="0" smtClean="0">
+                <a:hlinkClick r:id="rId3"/>
+              </a:rPr>
+              <a:t>/</a:t>
+            </a:r>
+            <a:endParaRPr lang="en-US" dirty="0" smtClean="0"/>
+          </a:p>
+          <a:p>
+            <a:pPr lvl="1"/>
+            <a:endParaRPr lang="en-US" dirty="0"/>
+          </a:p>
+        </p:txBody>
+      </p:sp>
     </p:spTree>
     <p:extLst>
       <p:ext uri="{BB962C8B-B14F-4D97-AF65-F5344CB8AC3E}">
-        <p14:creationId xmlns:p14="http://schemas.microsoft.com/office/powerpoint/2010/main" val="2945932321"/>
+        <p14:creationId xmlns:p14="http://schemas.microsoft.com/office/powerpoint/2010/main" val="2055154320"/>
       </p:ext>
     </p:extLst>
   </p:cSld>
   <p:clrMapOvr>
     <a:masterClrMapping/>
   </p:clrMapOvr>
-  <p:timing>
-    <p:tnLst>
-      <p:par>
-        <p:cTn xmlns:p14="http://schemas.microsoft.com/office/powerpoint/2010/main" id="1" dur="indefinite" restart="never" nodeType="tmRoot"/>
-      </p:par>
-    </p:tnLst>
-  </p:timing>
 </p:sld>
 </file>
 
@@ -7067,75 +7129,73 @@
           <a:p>
             <a:r>
               <a:rPr lang="en-US" dirty="0" smtClean="0"/>
-              <a:t>Meet J. Allen Carnes</a:t>
+              <a:t>Analyzing Logos: Writing Practice</a:t>
             </a:r>
             <a:endParaRPr lang="en-US" dirty="0"/>
           </a:p>
         </p:txBody>
       </p:sp>
-      <p:pic>
-        <p:nvPicPr>
-          <p:cNvPr id="4" name="Content Placeholder 3" descr="J_Allen_Carnes_Feb_2014.jpg"/>
-          <p:cNvPicPr>
-            <a:picLocks noGrp="1" noChangeAspect="1"/>
-          </p:cNvPicPr>
+      <p:sp>
+        <p:nvSpPr>
+          <p:cNvPr id="3" name="Content Placeholder 2"/>
+          <p:cNvSpPr>
+            <a:spLocks noGrp="1"/>
+          </p:cNvSpPr>
           <p:nvPr>
             <p:ph sz="quarter" idx="1"/>
           </p:nvPr>
-        </p:nvPicPr>
-        <p:blipFill>
-          <a:blip r:embed="rId2">
-            <a:extLst>
-              <a:ext uri="{28A0092B-C50C-407E-A947-70E740481C1C}">
-                <a14:useLocalDpi xmlns:a14="http://schemas.microsoft.com/office/drawing/2010/main" val="0"/>
-              </a:ext>
-            </a:extLst>
-          </a:blip>
-          <a:srcRect t="11599" b="11599"/>
-          <a:stretch>
-            <a:fillRect/>
-          </a:stretch>
-        </p:blipFill>
-        <p:spPr>
-          <a:xfrm>
-            <a:off x="1084186" y="1787873"/>
-            <a:ext cx="6988943" cy="3757496"/>
-          </a:xfrm>
-        </p:spPr>
-      </p:pic>
-      <p:sp>
-        <p:nvSpPr>
-          <p:cNvPr id="5" name="TextBox 4"/>
-          <p:cNvSpPr txBox="1"/>
-          <p:nvPr/>
-        </p:nvSpPr>
-        <p:spPr>
-          <a:xfrm>
-            <a:off x="3163759" y="5885576"/>
-            <a:ext cx="3150322" cy="369332"/>
-          </a:xfrm>
-          <a:prstGeom prst="rect">
-            <a:avLst/>
-          </a:prstGeom>
-          <a:noFill/>
-        </p:spPr>
-        <p:txBody>
-          <a:bodyPr wrap="none" rtlCol="0">
-            <a:spAutoFit/>
+        </p:nvSpPr>
+        <p:spPr/>
+        <p:txBody>
+          <a:bodyPr>
+            <a:normAutofit/>
           </a:bodyPr>
           <a:lstStyle/>
           <a:p>
             <a:r>
-              <a:rPr lang="en-US" dirty="0"/>
-              <a:t>https://</a:t>
-            </a:r>
-            <a:r>
-              <a:rPr lang="en-US" dirty="0" err="1"/>
-              <a:t>jcarnesfortexas.com</a:t>
-            </a:r>
-            <a:r>
-              <a:rPr lang="en-US" dirty="0"/>
-              <a:t>/</a:t>
+              <a:rPr lang="en-US" dirty="0" smtClean="0"/>
+              <a:t>Presence of facts: statistics, dates, measures, legal language, etc.</a:t>
+            </a:r>
+          </a:p>
+          <a:p>
+            <a:pPr lvl="1"/>
+            <a:r>
+              <a:rPr lang="en-US" dirty="0" smtClean="0"/>
+              <a:t>What kind of information is being used? Is it valid?</a:t>
+            </a:r>
+          </a:p>
+          <a:p>
+            <a:pPr lvl="1"/>
+            <a:r>
+              <a:rPr lang="en-US" dirty="0" smtClean="0"/>
+              <a:t>Is any key information missing?</a:t>
+            </a:r>
+          </a:p>
+          <a:p>
+            <a:r>
+              <a:rPr lang="en-US" dirty="0" smtClean="0"/>
+              <a:t>Use of facts: how are facts being used to produce an argument?</a:t>
+            </a:r>
+          </a:p>
+          <a:p>
+            <a:pPr lvl="1"/>
+            <a:r>
+              <a:rPr lang="en-US" dirty="0" smtClean="0"/>
+              <a:t>What are the explicit premises of the argument? Are they sound?</a:t>
+            </a:r>
+            <a:br>
+              <a:rPr lang="en-US" dirty="0" smtClean="0"/>
+            </a:br>
+            <a:r>
+              <a:rPr lang="en-US" dirty="0" smtClean="0"/>
+              <a:t>What are the implicit premises of the argument? Are they sound?</a:t>
+            </a:r>
+          </a:p>
+          <a:p>
+            <a:pPr lvl="1"/>
+            <a:r>
+              <a:rPr lang="en-US" dirty="0" smtClean="0"/>
+              <a:t>What is the conclusion of the argument? Is it sound?</a:t>
             </a:r>
           </a:p>
         </p:txBody>
@@ -7143,20 +7203,13 @@
     </p:spTree>
     <p:extLst>
       <p:ext uri="{BB962C8B-B14F-4D97-AF65-F5344CB8AC3E}">
-        <p14:creationId xmlns:p14="http://schemas.microsoft.com/office/powerpoint/2010/main" val="3608285199"/>
+        <p14:creationId xmlns:p14="http://schemas.microsoft.com/office/powerpoint/2010/main" val="598077030"/>
       </p:ext>
     </p:extLst>
   </p:cSld>
   <p:clrMapOvr>
     <a:masterClrMapping/>
   </p:clrMapOvr>
-  <p:timing>
-    <p:tnLst>
-      <p:par>
-        <p:cTn xmlns:p14="http://schemas.microsoft.com/office/powerpoint/2010/main" id="1" dur="indefinite" restart="never" nodeType="tmRoot"/>
-      </p:par>
-    </p:tnLst>
-  </p:timing>
 </p:sld>
 </file>
 
@@ -7195,7 +7248,7 @@
         </p:spPr>
         <p:txBody>
           <a:bodyPr>
-            <a:normAutofit fontScale="85000" lnSpcReduction="20000"/>
+            <a:normAutofit/>
           </a:bodyPr>
           <a:lstStyle/>
           <a:p>
@@ -7205,63 +7258,37 @@
                   <a:srgbClr val="D16349"/>
                 </a:solidFill>
               </a:rPr>
-              <a:t>Ethical appeals:</a:t>
-            </a:r>
+              <a:t>Logical Appeals</a:t>
+            </a:r>
+            <a:endParaRPr lang="en-US" i="1" dirty="0" smtClean="0">
+              <a:solidFill>
+                <a:srgbClr val="D16349"/>
+              </a:solidFill>
+            </a:endParaRPr>
           </a:p>
           <a:p>
             <a:r>
               <a:rPr lang="en-US" i="1" dirty="0" smtClean="0"/>
-              <a:t>The art of sounding trustworthy</a:t>
-            </a:r>
+              <a:t>The art of sounding </a:t>
+            </a:r>
+            <a:r>
+              <a:rPr lang="en-US" i="1" dirty="0" smtClean="0"/>
+              <a:t>reasonable</a:t>
+            </a:r>
+            <a:endParaRPr lang="en-US" i="1" dirty="0" smtClean="0"/>
           </a:p>
           <a:p>
             <a:r>
               <a:rPr lang="en-US" dirty="0" smtClean="0"/>
-              <a:t>situated &amp; invented</a:t>
+              <a:t>Use of facts as evidence</a:t>
             </a:r>
           </a:p>
           <a:p>
             <a:r>
               <a:rPr lang="en-US" dirty="0" smtClean="0"/>
-              <a:t>Commonplaces</a:t>
-            </a:r>
-          </a:p>
-          <a:p>
+              <a:t>Use of evidence to construct logical claims</a:t>
+            </a:r>
             <a:endParaRPr lang="en-US" dirty="0"/>
-          </a:p>
-          <a:p>
-            <a:r>
-              <a:rPr lang="en-US" i="1" dirty="0" smtClean="0">
-                <a:solidFill>
-                  <a:srgbClr val="D16349"/>
-                </a:solidFill>
-              </a:rPr>
-              <a:t>Emotional appeals:</a:t>
-            </a:r>
-          </a:p>
-          <a:p>
-            <a:r>
-              <a:rPr lang="en-US" i="1" dirty="0" smtClean="0"/>
-              <a:t>The art of producing emotions</a:t>
-            </a:r>
-          </a:p>
-          <a:p>
-            <a:r>
-              <a:rPr lang="en-US" dirty="0" smtClean="0"/>
-              <a:t>Emotional keywords,</a:t>
-            </a:r>
-          </a:p>
-          <a:p>
-            <a:r>
-              <a:rPr lang="en-US" dirty="0" smtClean="0"/>
-              <a:t>Disparaging/honorific language,</a:t>
-            </a:r>
-          </a:p>
-          <a:p>
-            <a:r>
-              <a:rPr lang="en-US" dirty="0" smtClean="0"/>
-              <a:t>Emotional connection</a:t>
-            </a:r>
           </a:p>
           <a:p>
             <a:endParaRPr lang="en-US" dirty="0"/>
@@ -7273,26 +7300,38 @@
                   <a:srgbClr val="D16349"/>
                 </a:solidFill>
               </a:rPr>
+              <a:t>Writing about logic</a:t>
+            </a:r>
+            <a:endParaRPr lang="en-US" dirty="0" smtClean="0">
+              <a:solidFill>
+                <a:srgbClr val="D16349"/>
+              </a:solidFill>
+            </a:endParaRPr>
+          </a:p>
+          <a:p>
+            <a:r>
+              <a:rPr lang="en-US" dirty="0" smtClean="0"/>
+              <a:t>Claim</a:t>
+            </a:r>
+          </a:p>
+          <a:p>
+            <a:r>
+              <a:rPr lang="en-US" dirty="0" smtClean="0"/>
+              <a:t>Evidence</a:t>
+            </a:r>
+          </a:p>
+          <a:p>
+            <a:r>
+              <a:rPr lang="en-US" dirty="0" smtClean="0"/>
               <a:t>Analysis</a:t>
             </a:r>
           </a:p>
           <a:p>
             <a:r>
               <a:rPr lang="en-US" dirty="0" smtClean="0"/>
-              <a:t>The detailed </a:t>
-            </a:r>
-            <a:r>
-              <a:rPr lang="en-US" dirty="0"/>
-              <a:t>examination of the elements or structure of something, typically as a basis for </a:t>
-            </a:r>
-            <a:r>
-              <a:rPr lang="en-US" dirty="0" smtClean="0"/>
-              <a:t>interpretation</a:t>
-            </a:r>
-            <a:r>
-              <a:rPr lang="en-US" dirty="0"/>
-              <a:t>.</a:t>
-            </a:r>
+              <a:t>Claim…</a:t>
+            </a:r>
+            <a:endParaRPr lang="en-US" dirty="0"/>
           </a:p>
         </p:txBody>
       </p:sp>
@@ -7378,7 +7417,7 @@
           <a:p>
             <a:r>
               <a:rPr lang="en-US" dirty="0" smtClean="0"/>
-              <a:t>Writing break: Verbs of Attribution</a:t>
+              <a:t>Selecting an article for essay two</a:t>
             </a:r>
             <a:endParaRPr lang="en-US" dirty="0"/>
           </a:p>
@@ -7396,94 +7435,83 @@
         </p:nvSpPr>
         <p:spPr/>
         <p:txBody>
-          <a:bodyPr>
-            <a:normAutofit/>
-          </a:bodyPr>
-          <a:lstStyle/>
-          <a:p>
-            <a:pPr marL="274320" lvl="1" indent="0">
-              <a:buNone/>
-            </a:pPr>
+          <a:bodyPr/>
+          <a:lstStyle/>
+          <a:p>
             <a:r>
               <a:rPr lang="en-US" dirty="0" smtClean="0"/>
-              <a:t>“This is incredible,” Anderson writes.</a:t>
-            </a:r>
-          </a:p>
-          <a:p>
-            <a:pPr marL="274320" lvl="1" indent="0">
-              <a:buNone/>
-            </a:pPr>
-            <a:endParaRPr lang="en-US" dirty="0" smtClean="0"/>
+              <a:t>Finding Persuasive Texts: MOOCs</a:t>
+            </a:r>
           </a:p>
           <a:p>
             <a:pPr lvl="1"/>
             <a:r>
               <a:rPr lang="en-US" dirty="0" smtClean="0"/>
-              <a:t>Says, writes, </a:t>
+              <a:t>A blog post, newspaper article, magazine report, etc., arguing for or against MOOCs.</a:t>
             </a:r>
           </a:p>
           <a:p>
             <a:pPr lvl="1"/>
             <a:r>
               <a:rPr lang="en-US" dirty="0" smtClean="0"/>
-              <a:t>Addresses, discusses, describes, illustrates, </a:t>
+              <a:t>A TED talk about the effectiveness of MOOCs, or about the return to the classroom.</a:t>
             </a:r>
           </a:p>
           <a:p>
             <a:pPr lvl="1"/>
             <a:r>
               <a:rPr lang="en-US" dirty="0" smtClean="0"/>
-              <a:t>Alleges, argues, claims, declares, reveals, shows, suggests, concludes</a:t>
+              <a:t>A news report about MOOCs</a:t>
             </a:r>
           </a:p>
           <a:p>
             <a:pPr lvl="1"/>
             <a:r>
               <a:rPr lang="en-US" dirty="0" smtClean="0"/>
-              <a:t>Proposes, hypothesizes, speculates</a:t>
-            </a:r>
-            <a:endParaRPr lang="en-US" dirty="0" smtClean="0"/>
+              <a:t>An advertisement (video or print) for a MOOC</a:t>
+            </a:r>
           </a:p>
           <a:p>
             <a:pPr lvl="1"/>
             <a:r>
               <a:rPr lang="en-US" dirty="0" smtClean="0"/>
-              <a:t>Agrees, concurs</a:t>
-            </a:r>
-            <a:endParaRPr lang="en-US" dirty="0" smtClean="0"/>
+              <a:t>An anti-MOOC advertisement for a university</a:t>
+            </a:r>
           </a:p>
           <a:p>
             <a:pPr lvl="1"/>
             <a:r>
               <a:rPr lang="en-US" dirty="0" smtClean="0"/>
-              <a:t>Disagrees, disputes, denies</a:t>
-            </a:r>
-          </a:p>
-          <a:p>
-            <a:pPr marL="274320" lvl="1" indent="0">
-              <a:buNone/>
-            </a:pPr>
-            <a:endParaRPr lang="en-US" dirty="0" smtClean="0"/>
+              <a:t>A radio show</a:t>
+            </a:r>
+          </a:p>
+          <a:p>
+            <a:pPr lvl="1"/>
+            <a:r>
+              <a:rPr lang="en-US" dirty="0" smtClean="0"/>
+              <a:t>A speech</a:t>
+            </a:r>
+          </a:p>
+          <a:p>
+            <a:pPr lvl="1"/>
+            <a:r>
+              <a:rPr lang="en-US" dirty="0" smtClean="0"/>
+              <a:t>(NOTE: WRITE RS5 NOW)</a:t>
+            </a:r>
+            <a:endParaRPr lang="en-US" dirty="0"/>
           </a:p>
         </p:txBody>
       </p:sp>
     </p:spTree>
     <p:extLst>
       <p:ext uri="{BB962C8B-B14F-4D97-AF65-F5344CB8AC3E}">
-        <p14:creationId xmlns:p14="http://schemas.microsoft.com/office/powerpoint/2010/main" val="3849144615"/>
+        <p14:creationId xmlns:p14="http://schemas.microsoft.com/office/powerpoint/2010/main" val="3580208948"/>
       </p:ext>
     </p:extLst>
   </p:cSld>
   <p:clrMapOvr>
     <a:masterClrMapping/>
   </p:clrMapOvr>
-  <p:timing>
-    <p:tnLst>
-      <p:par>
-        <p:cTn xmlns:p14="http://schemas.microsoft.com/office/powerpoint/2010/main" id="1" dur="indefinite" restart="never" nodeType="tmRoot"/>
-      </p:par>
-    </p:tnLst>
-  </p:timing>
 </p:sld>
 </file>
 
@@ -7616,6 +7644,51 @@
                                           <p:spTgt spid="2">
                                             <p:txEl>
                                               <p:pRg st="0" end="0"/>
+                                            </p:txEl>
+                                          </p:spTgt>
+                                        </p:tgtEl>
+                                        <p:attrNameLst>
+                                          <p:attrName>style.color</p:attrName>
+                                        </p:attrNameLst>
+                                      </p:cBhvr>
+                                      <p:to>
+                                        <a:schemeClr val="accent2"/>
+                                      </p:to>
+                                    </p:animClr>
+                                  </p:childTnLst>
+                                </p:cTn>
+                              </p:par>
+                            </p:childTnLst>
+                          </p:cTn>
+                        </p:par>
+                      </p:childTnLst>
+                    </p:cTn>
+                  </p:par>
+                  <p:par>
+                    <p:cTn id="7" fill="hold">
+                      <p:stCondLst>
+                        <p:cond delay="indefinite"/>
+                      </p:stCondLst>
+                      <p:childTnLst>
+                        <p:par>
+                          <p:cTn id="8" fill="hold">
+                            <p:stCondLst>
+                              <p:cond delay="0"/>
+                            </p:stCondLst>
+                            <p:childTnLst>
+                              <p:par>
+                                <p:cTn id="9" presetID="3" presetClass="emph" presetSubtype="2" fill="hold" grpId="0" nodeType="clickEffect">
+                                  <p:stCondLst>
+                                    <p:cond delay="0"/>
+                                  </p:stCondLst>
+                                  <p:childTnLst>
+                                    <p:animClr clrSpc="rgb" dir="cw">
+                                      <p:cBhvr override="childStyle">
+                                        <p:cTn id="10" dur="2000" fill="hold"/>
+                                        <p:tgtEl>
+                                          <p:spTgt spid="2">
+                                            <p:txEl>
+                                              <p:pRg st="1" end="1"/>
                                             </p:txEl>
                                           </p:spTgt>
                                         </p:tgtEl>
@@ -7723,7 +7796,11 @@
           <a:p>
             <a:r>
               <a:rPr lang="en-US" dirty="0" smtClean="0"/>
-              <a:t>Writing exercise: getting in the door</a:t>
+              <a:t>Review: </a:t>
+            </a:r>
+            <a:r>
+              <a:rPr lang="en-US" dirty="0" smtClean="0"/>
+              <a:t>Ethos &amp; Pathos</a:t>
             </a:r>
             <a:endParaRPr lang="en-US" dirty="0"/>
           </a:p>
@@ -7837,15 +7914,7 @@
           <a:p>
             <a:r>
               <a:rPr lang="en-US" dirty="0" smtClean="0"/>
-              <a:t>“</a:t>
-            </a:r>
-            <a:r>
-              <a:rPr lang="en-US" dirty="0" smtClean="0"/>
-              <a:t>Situated ethos”: The authority you carry with </a:t>
-            </a:r>
-            <a:r>
-              <a:rPr lang="en-US" dirty="0" smtClean="0"/>
-              <a:t>you</a:t>
+              <a:t>“Situated ethos”: The authority you carry with you</a:t>
             </a:r>
             <a:br>
               <a:rPr lang="en-US" dirty="0" smtClean="0"/>
@@ -7855,11 +7924,7 @@
           <a:p>
             <a:r>
               <a:rPr lang="en-US" dirty="0" smtClean="0"/>
-              <a:t>“Invented ethos”: the authority you establish through self-</a:t>
-            </a:r>
-            <a:r>
-              <a:rPr lang="en-US" dirty="0" smtClean="0"/>
-              <a:t>presentation</a:t>
+              <a:t>“Invented ethos”: the authority you establish through self-presentation</a:t>
             </a:r>
             <a:br>
               <a:rPr lang="en-US" dirty="0" smtClean="0"/>
@@ -7904,6 +7969,350 @@
 </file>
 
 <file path=ppt/slides/slide6.xml><?xml version="1.0" encoding="utf-8"?>
+<p:sld xmlns:a="http://schemas.openxmlformats.org/drawingml/2006/main" xmlns:r="http://schemas.openxmlformats.org/officeDocument/2006/relationships" xmlns:p="http://schemas.openxmlformats.org/presentationml/2006/main">
+  <p:cSld>
+    <p:spTree>
+      <p:nvGrpSpPr>
+        <p:cNvPr id="1" name=""/>
+        <p:cNvGrpSpPr/>
+        <p:nvPr/>
+      </p:nvGrpSpPr>
+      <p:grpSpPr>
+        <a:xfrm>
+          <a:off x="0" y="0"/>
+          <a:ext cx="0" cy="0"/>
+          <a:chOff x="0" y="0"/>
+          <a:chExt cx="0" cy="0"/>
+        </a:xfrm>
+      </p:grpSpPr>
+      <p:sp>
+        <p:nvSpPr>
+          <p:cNvPr id="2" name="Title 1"/>
+          <p:cNvSpPr>
+            <a:spLocks noGrp="1"/>
+          </p:cNvSpPr>
+          <p:nvPr>
+            <p:ph type="title"/>
+          </p:nvPr>
+        </p:nvSpPr>
+        <p:spPr/>
+        <p:txBody>
+          <a:bodyPr/>
+          <a:lstStyle/>
+          <a:p>
+            <a:r>
+              <a:rPr lang="en-US" dirty="0" smtClean="0"/>
+              <a:t>Emotional Persuasion</a:t>
+            </a:r>
+            <a:endParaRPr lang="en-US" dirty="0"/>
+          </a:p>
+        </p:txBody>
+      </p:sp>
+      <p:sp>
+        <p:nvSpPr>
+          <p:cNvPr id="3" name="Content Placeholder 2"/>
+          <p:cNvSpPr>
+            <a:spLocks noGrp="1"/>
+          </p:cNvSpPr>
+          <p:nvPr>
+            <p:ph sz="quarter" idx="1"/>
+          </p:nvPr>
+        </p:nvSpPr>
+        <p:spPr/>
+        <p:txBody>
+          <a:bodyPr>
+            <a:normAutofit fontScale="92500"/>
+          </a:bodyPr>
+          <a:lstStyle/>
+          <a:p>
+            <a:r>
+              <a:rPr lang="en-US" dirty="0">
+                <a:solidFill>
+                  <a:schemeClr val="accent1"/>
+                </a:solidFill>
+              </a:rPr>
+              <a:t>Emotional Keywords</a:t>
+            </a:r>
+            <a:r>
+              <a:rPr lang="en-US" dirty="0"/>
+              <a:t>: words that suggest emotional content. Thrilled! Terrified! Saddened! Disappointed!</a:t>
+            </a:r>
+            <a:br>
+              <a:rPr lang="en-US" dirty="0"/>
+            </a:br>
+            <a:endParaRPr lang="en-US" dirty="0">
+              <a:solidFill>
+                <a:srgbClr val="D16349"/>
+              </a:solidFill>
+            </a:endParaRPr>
+          </a:p>
+          <a:p>
+            <a:r>
+              <a:rPr lang="en-US" dirty="0">
+                <a:solidFill>
+                  <a:srgbClr val="D16349"/>
+                </a:solidFill>
+              </a:rPr>
+              <a:t>Honorific Language</a:t>
+            </a:r>
+            <a:r>
+              <a:rPr lang="en-US" dirty="0"/>
+              <a:t>: Great, wonderful, fabulous, delightful</a:t>
+            </a:r>
+            <a:br>
+              <a:rPr lang="en-US" dirty="0"/>
+            </a:br>
+            <a:endParaRPr lang="en-US" dirty="0"/>
+          </a:p>
+          <a:p>
+            <a:r>
+              <a:rPr lang="en-US" dirty="0">
+                <a:solidFill>
+                  <a:srgbClr val="D16349"/>
+                </a:solidFill>
+              </a:rPr>
+              <a:t>Disparaging Language: </a:t>
+            </a:r>
+            <a:r>
+              <a:rPr lang="en-US" dirty="0"/>
+              <a:t>terrible, embarrassing, offensive, stupid</a:t>
+            </a:r>
+            <a:br>
+              <a:rPr lang="en-US" dirty="0"/>
+            </a:br>
+            <a:endParaRPr lang="en-US" dirty="0"/>
+          </a:p>
+          <a:p>
+            <a:r>
+              <a:rPr lang="en-US" dirty="0">
+                <a:solidFill>
+                  <a:srgbClr val="D16349"/>
+                </a:solidFill>
+              </a:rPr>
+              <a:t>Emotional Connections</a:t>
+            </a:r>
+            <a:r>
+              <a:rPr lang="en-US" dirty="0"/>
+              <a:t>: Anecdotes, references, images, music</a:t>
+            </a:r>
+          </a:p>
+        </p:txBody>
+      </p:sp>
+    </p:spTree>
+    <p:extLst>
+      <p:ext uri="{BB962C8B-B14F-4D97-AF65-F5344CB8AC3E}">
+        <p14:creationId xmlns:p14="http://schemas.microsoft.com/office/powerpoint/2010/main" val="450375510"/>
+      </p:ext>
+    </p:extLst>
+  </p:cSld>
+  <p:clrMapOvr>
+    <a:masterClrMapping/>
+  </p:clrMapOvr>
+  <p:timing>
+    <p:tnLst>
+      <p:par>
+        <p:cTn xmlns:p14="http://schemas.microsoft.com/office/powerpoint/2010/main" id="1" dur="indefinite" restart="never" nodeType="tmRoot"/>
+      </p:par>
+    </p:tnLst>
+  </p:timing>
+</p:sld>
+</file>
+
+<file path=ppt/slides/slide7.xml><?xml version="1.0" encoding="utf-8"?>
+<p:sld xmlns:a="http://schemas.openxmlformats.org/drawingml/2006/main" xmlns:r="http://schemas.openxmlformats.org/officeDocument/2006/relationships" xmlns:p="http://schemas.openxmlformats.org/presentationml/2006/main">
+  <p:cSld>
+    <p:spTree>
+      <p:nvGrpSpPr>
+        <p:cNvPr id="1" name=""/>
+        <p:cNvGrpSpPr/>
+        <p:nvPr/>
+      </p:nvGrpSpPr>
+      <p:grpSpPr>
+        <a:xfrm>
+          <a:off x="0" y="0"/>
+          <a:ext cx="0" cy="0"/>
+          <a:chOff x="0" y="0"/>
+          <a:chExt cx="0" cy="0"/>
+        </a:xfrm>
+      </p:grpSpPr>
+      <p:sp>
+        <p:nvSpPr>
+          <p:cNvPr id="2" name="Title 1"/>
+          <p:cNvSpPr>
+            <a:spLocks noGrp="1"/>
+          </p:cNvSpPr>
+          <p:nvPr>
+            <p:ph type="title"/>
+          </p:nvPr>
+        </p:nvSpPr>
+        <p:spPr/>
+        <p:txBody>
+          <a:bodyPr/>
+          <a:lstStyle/>
+          <a:p>
+            <a:r>
+              <a:rPr lang="en-US" dirty="0" smtClean="0"/>
+              <a:t>Writing break</a:t>
+            </a:r>
+            <a:r>
+              <a:rPr lang="en-US" dirty="0" smtClean="0"/>
+              <a:t>: Making a Claim </a:t>
+            </a:r>
+            <a:endParaRPr lang="en-US" dirty="0"/>
+          </a:p>
+        </p:txBody>
+      </p:sp>
+      <p:sp>
+        <p:nvSpPr>
+          <p:cNvPr id="3" name="Content Placeholder 2"/>
+          <p:cNvSpPr>
+            <a:spLocks noGrp="1"/>
+          </p:cNvSpPr>
+          <p:nvPr>
+            <p:ph sz="quarter" idx="1"/>
+          </p:nvPr>
+        </p:nvSpPr>
+        <p:spPr/>
+        <p:txBody>
+          <a:bodyPr>
+            <a:normAutofit fontScale="92500" lnSpcReduction="10000"/>
+          </a:bodyPr>
+          <a:lstStyle/>
+          <a:p>
+            <a:pPr marL="274320" lvl="1" indent="0">
+              <a:buNone/>
+            </a:pPr>
+            <a:r>
+              <a:rPr lang="en-US" dirty="0" smtClean="0"/>
+              <a:t>Thesis: Joe </a:t>
+            </a:r>
+            <a:r>
+              <a:rPr lang="en-US" dirty="0" err="1" smtClean="0"/>
+              <a:t>Cotten’s</a:t>
+            </a:r>
+            <a:r>
+              <a:rPr lang="en-US" dirty="0" smtClean="0"/>
+              <a:t> video persuades people to vote for him by using language, music, and imagery to create an atmosphere of fear.</a:t>
+            </a:r>
+          </a:p>
+          <a:p>
+            <a:pPr lvl="1"/>
+            <a:r>
+              <a:rPr lang="en-US" dirty="0" smtClean="0"/>
+              <a:t>Making a claim</a:t>
+            </a:r>
+          </a:p>
+          <a:p>
+            <a:pPr lvl="2"/>
+            <a:r>
+              <a:rPr lang="en-US" dirty="0" err="1" smtClean="0"/>
+              <a:t>Cotten</a:t>
+            </a:r>
+            <a:r>
+              <a:rPr lang="en-US" dirty="0" smtClean="0"/>
+              <a:t> describes his opponents as dangerous pests who need to be stopped.</a:t>
+            </a:r>
+            <a:endParaRPr lang="en-US" dirty="0"/>
+          </a:p>
+          <a:p>
+            <a:pPr lvl="1"/>
+            <a:r>
+              <a:rPr lang="en-US" dirty="0" smtClean="0"/>
+              <a:t>Providing evidence for that claim</a:t>
+            </a:r>
+          </a:p>
+          <a:p>
+            <a:pPr lvl="2"/>
+            <a:r>
+              <a:rPr lang="en-US" dirty="0" smtClean="0"/>
+              <a:t>Cotton refers to democrats as “</a:t>
+            </a:r>
+            <a:r>
+              <a:rPr lang="en-US" dirty="0" err="1" smtClean="0"/>
+              <a:t>obamanites</a:t>
+            </a:r>
+            <a:r>
+              <a:rPr lang="en-US" dirty="0" smtClean="0"/>
+              <a:t>,” calling them “politica</a:t>
+            </a:r>
+            <a:r>
+              <a:rPr lang="en-US" dirty="0" smtClean="0"/>
+              <a:t>l termites.”</a:t>
+            </a:r>
+            <a:endParaRPr lang="en-US" dirty="0" smtClean="0"/>
+          </a:p>
+          <a:p>
+            <a:pPr lvl="1"/>
+            <a:r>
+              <a:rPr lang="en-US" dirty="0" smtClean="0"/>
+              <a:t>Analyzing a claim</a:t>
+            </a:r>
+          </a:p>
+          <a:p>
+            <a:pPr lvl="2"/>
+            <a:r>
+              <a:rPr lang="en-US" dirty="0" smtClean="0"/>
+              <a:t>This metaphor suggests that democrats are an invasive species which will destroy governmental infrastructure, leading to collapse. </a:t>
+            </a:r>
+            <a:r>
+              <a:rPr lang="en-US" dirty="0" smtClean="0"/>
+              <a:t>It further suggests that the only solution is extermination – and that Joe </a:t>
+            </a:r>
+            <a:r>
+              <a:rPr lang="en-US" dirty="0" err="1" smtClean="0"/>
+              <a:t>Cotten</a:t>
+            </a:r>
+            <a:r>
+              <a:rPr lang="en-US" dirty="0" smtClean="0"/>
+              <a:t> is the best exterminator.</a:t>
+            </a:r>
+          </a:p>
+          <a:p>
+            <a:pPr lvl="1"/>
+            <a:r>
+              <a:rPr lang="en-US" dirty="0" smtClean="0"/>
+              <a:t>Connecting to the next claim/evidence.</a:t>
+            </a:r>
+          </a:p>
+          <a:p>
+            <a:pPr lvl="2"/>
+            <a:r>
+              <a:rPr lang="en-US" dirty="0" err="1" smtClean="0"/>
+              <a:t>Cotten</a:t>
+            </a:r>
+            <a:r>
+              <a:rPr lang="en-US" dirty="0"/>
+              <a:t> </a:t>
+            </a:r>
+            <a:r>
+              <a:rPr lang="en-US" dirty="0" smtClean="0"/>
+              <a:t>further promotes this idea in his description of the elections.</a:t>
+            </a:r>
+            <a:endParaRPr lang="en-US" dirty="0"/>
+          </a:p>
+        </p:txBody>
+      </p:sp>
+    </p:spTree>
+    <p:extLst>
+      <p:ext uri="{BB962C8B-B14F-4D97-AF65-F5344CB8AC3E}">
+        <p14:creationId xmlns:p14="http://schemas.microsoft.com/office/powerpoint/2010/main" val="3849144615"/>
+      </p:ext>
+    </p:extLst>
+  </p:cSld>
+  <p:clrMapOvr>
+    <a:masterClrMapping/>
+  </p:clrMapOvr>
+  <p:timing>
+    <p:tnLst>
+      <p:par>
+        <p:cTn xmlns:p14="http://schemas.microsoft.com/office/powerpoint/2010/main" id="1" dur="indefinite" restart="never" nodeType="tmRoot"/>
+      </p:par>
+    </p:tnLst>
+  </p:timing>
+</p:sld>
+</file>
+
+<file path=ppt/slides/slide8.xml><?xml version="1.0" encoding="utf-8"?>
 <p:sld xmlns:a="http://schemas.openxmlformats.org/drawingml/2006/main" xmlns:r="http://schemas.openxmlformats.org/officeDocument/2006/relationships" xmlns:p="http://schemas.openxmlformats.org/presentationml/2006/main">
   <p:cSld>
     <p:spTree>
@@ -8031,7 +8440,7 @@
                                         <p:tgtEl>
                                           <p:spTgt spid="2">
                                             <p:txEl>
-                                              <p:pRg st="1" end="1"/>
+                                              <p:pRg st="2" end="2"/>
                                             </p:txEl>
                                           </p:spTgt>
                                         </p:tgtEl>
@@ -8080,553 +8489,6 @@
 </p:sld>
 </file>
 
-<file path=ppt/slides/slide7.xml><?xml version="1.0" encoding="utf-8"?>
-<p:sld xmlns:a="http://schemas.openxmlformats.org/drawingml/2006/main" xmlns:r="http://schemas.openxmlformats.org/officeDocument/2006/relationships" xmlns:p="http://schemas.openxmlformats.org/presentationml/2006/main">
-  <p:cSld>
-    <p:spTree>
-      <p:nvGrpSpPr>
-        <p:cNvPr id="1" name=""/>
-        <p:cNvGrpSpPr/>
-        <p:nvPr/>
-      </p:nvGrpSpPr>
-      <p:grpSpPr>
-        <a:xfrm>
-          <a:off x="0" y="0"/>
-          <a:ext cx="0" cy="0"/>
-          <a:chOff x="0" y="0"/>
-          <a:chExt cx="0" cy="0"/>
-        </a:xfrm>
-      </p:grpSpPr>
-      <p:sp>
-        <p:nvSpPr>
-          <p:cNvPr id="2" name="Title 1"/>
-          <p:cNvSpPr>
-            <a:spLocks noGrp="1"/>
-          </p:cNvSpPr>
-          <p:nvPr>
-            <p:ph type="title"/>
-          </p:nvPr>
-        </p:nvSpPr>
-        <p:spPr/>
-        <p:txBody>
-          <a:bodyPr/>
-          <a:lstStyle/>
-          <a:p>
-            <a:r>
-              <a:rPr lang="en-US" dirty="0" smtClean="0"/>
-              <a:t>The Texas Department of Agriculture</a:t>
-            </a:r>
-            <a:endParaRPr lang="en-US" dirty="0"/>
-          </a:p>
-        </p:txBody>
-      </p:sp>
-      <p:sp>
-        <p:nvSpPr>
-          <p:cNvPr id="3" name="Content Placeholder 2"/>
-          <p:cNvSpPr>
-            <a:spLocks noGrp="1"/>
-          </p:cNvSpPr>
-          <p:nvPr>
-            <p:ph sz="quarter" idx="1"/>
-          </p:nvPr>
-        </p:nvSpPr>
-        <p:spPr/>
-        <p:txBody>
-          <a:bodyPr numCol="2">
-            <a:normAutofit fontScale="40000" lnSpcReduction="20000"/>
-          </a:bodyPr>
-          <a:lstStyle/>
-          <a:p>
-            <a:pPr marL="0" indent="0">
-              <a:buNone/>
-            </a:pPr>
-            <a:r>
-              <a:rPr lang="en-US" dirty="0" smtClean="0"/>
-              <a:t>Consumer </a:t>
-            </a:r>
-            <a:r>
-              <a:rPr lang="en-US" dirty="0"/>
-              <a:t>Protection:</a:t>
-            </a:r>
-          </a:p>
-          <a:p>
-            <a:endParaRPr lang="en-US" dirty="0"/>
-          </a:p>
-          <a:p>
-            <a:r>
-              <a:rPr lang="en-US" dirty="0"/>
-              <a:t>Regulates all fuel pumps in Texas to ensure drivers get the correct quality and amount of fuel</a:t>
-            </a:r>
-          </a:p>
-          <a:p>
-            <a:r>
-              <a:rPr lang="en-US" dirty="0"/>
-              <a:t>Regulates all weights and measures devices, such as grocery store scales and retail price scanners, to ensure consumers are charged advertised prices</a:t>
-            </a:r>
-          </a:p>
-          <a:p>
-            <a:r>
-              <a:rPr lang="en-US" dirty="0"/>
-              <a:t>Regulates pesticide use and application from residential to commercial use</a:t>
-            </a:r>
-          </a:p>
-          <a:p>
-            <a:r>
-              <a:rPr lang="en-US" dirty="0"/>
-              <a:t>Certifies organically-produced products to help ensure consumers have a reliable supply of organic products</a:t>
-            </a:r>
-          </a:p>
-          <a:p>
-            <a:endParaRPr lang="en-US" dirty="0"/>
-          </a:p>
-          <a:p>
-            <a:pPr marL="0" indent="0">
-              <a:buNone/>
-            </a:pPr>
-            <a:r>
-              <a:rPr lang="en-US" dirty="0" smtClean="0"/>
-              <a:t>Production </a:t>
-            </a:r>
-            <a:r>
-              <a:rPr lang="en-US" dirty="0"/>
-              <a:t>Agriculture:</a:t>
-            </a:r>
-          </a:p>
-          <a:p>
-            <a:endParaRPr lang="en-US" dirty="0"/>
-          </a:p>
-          <a:p>
-            <a:r>
-              <a:rPr lang="en-US" dirty="0"/>
-              <a:t>Protects agricultural crops, such as citrus and cotton, from harmful pests and diseases</a:t>
-            </a:r>
-          </a:p>
-          <a:p>
-            <a:r>
-              <a:rPr lang="en-US" dirty="0"/>
-              <a:t>Facilitates trade and market development of agricultural commodities ranging from livestock to crops to ensure Texas remains the nation's leader in the production of cattle, cotton, hay, sheep, wool, goats, mohair and horses</a:t>
-            </a:r>
-          </a:p>
-          <a:p>
-            <a:r>
-              <a:rPr lang="en-US" dirty="0"/>
-              <a:t>Provides financial assistance to farmers and ranchers in the form of loan guarantees, interest rate reductions and even grants for young farmers</a:t>
-            </a:r>
-          </a:p>
-          <a:p>
-            <a:r>
-              <a:rPr lang="en-US" dirty="0"/>
-              <a:t>Administers grant funds for agricultural research to develop new technologies</a:t>
-            </a:r>
-          </a:p>
-          <a:p>
-            <a:r>
-              <a:rPr lang="en-US" dirty="0"/>
-              <a:t>Advocates for policies at the federal, state, and local level that are beneficial to the $106 billion agriculture sector, which comprises 10% of the Texas economy</a:t>
-            </a:r>
-          </a:p>
-          <a:p>
-            <a:r>
-              <a:rPr lang="en-US" dirty="0"/>
-              <a:t> </a:t>
-            </a:r>
-          </a:p>
-          <a:p>
-            <a:endParaRPr lang="en-US" dirty="0"/>
-          </a:p>
-          <a:p>
-            <a:pPr marL="0" indent="0">
-              <a:buNone/>
-            </a:pPr>
-            <a:r>
-              <a:rPr lang="en-US" dirty="0"/>
-              <a:t>Healthy Living:</a:t>
-            </a:r>
-          </a:p>
-          <a:p>
-            <a:endParaRPr lang="en-US" dirty="0"/>
-          </a:p>
-          <a:p>
-            <a:r>
-              <a:rPr lang="en-US" dirty="0"/>
-              <a:t>Administers the National School Lunch and Breakfast programs for Texas school children</a:t>
-            </a:r>
-          </a:p>
-          <a:p>
-            <a:r>
-              <a:rPr lang="en-US" dirty="0"/>
-              <a:t>Fights obesity in Texas through a statewide campaign highlighting the 3E's of Healthy Living - Education, Exercise and Eating Right</a:t>
-            </a:r>
-          </a:p>
-          <a:p>
-            <a:r>
-              <a:rPr lang="en-US" dirty="0"/>
-              <a:t>Administers assistance to feed the hungry through the Texans Feeding Texans initiative</a:t>
-            </a:r>
-          </a:p>
-          <a:p>
-            <a:endParaRPr lang="en-US" dirty="0"/>
-          </a:p>
-          <a:p>
-            <a:endParaRPr lang="en-US" dirty="0"/>
-          </a:p>
-          <a:p>
-            <a:pPr marL="0" indent="0">
-              <a:buNone/>
-            </a:pPr>
-            <a:r>
-              <a:rPr lang="en-US" dirty="0"/>
-              <a:t>Economic Development:</a:t>
-            </a:r>
-          </a:p>
-          <a:p>
-            <a:endParaRPr lang="en-US" dirty="0"/>
-          </a:p>
-          <a:p>
-            <a:r>
-              <a:rPr lang="en-US" dirty="0"/>
-              <a:t>Provides tools for communities to attract businesses and pursue other economic development opportunities</a:t>
-            </a:r>
-          </a:p>
-          <a:p>
-            <a:r>
-              <a:rPr lang="en-US" dirty="0"/>
-              <a:t>Offers infrastructure grants to rural communities</a:t>
-            </a:r>
-          </a:p>
-          <a:p>
-            <a:r>
-              <a:rPr lang="en-US" dirty="0"/>
-              <a:t>Leads in the development of statewide broadband services</a:t>
-            </a:r>
-          </a:p>
-          <a:p>
-            <a:r>
-              <a:rPr lang="en-US" dirty="0"/>
-              <a:t>Administers the Certified Retirement Community program to attract retirees to the second leading retirement state in the U.S.</a:t>
-            </a:r>
-          </a:p>
-          <a:p>
-            <a:r>
-              <a:rPr lang="en-US" dirty="0"/>
-              <a:t>Markets Texas products, cultures and communities through the GO TEXAN branded </a:t>
-            </a:r>
-            <a:r>
-              <a:rPr lang="en-US" dirty="0" smtClean="0"/>
-              <a:t>campaign</a:t>
-            </a:r>
-          </a:p>
-          <a:p>
-            <a:endParaRPr lang="en-US" dirty="0"/>
-          </a:p>
-          <a:p>
-            <a:endParaRPr lang="en-US" dirty="0" smtClean="0"/>
-          </a:p>
-          <a:p>
-            <a:r>
-              <a:rPr lang="en-US" dirty="0"/>
-              <a:t>(http://</a:t>
-            </a:r>
-            <a:r>
-              <a:rPr lang="en-US" dirty="0" err="1"/>
-              <a:t>www.texasagriculture.gov</a:t>
-            </a:r>
-            <a:r>
-              <a:rPr lang="en-US" dirty="0" smtClean="0"/>
-              <a:t>/)</a:t>
-            </a:r>
-            <a:endParaRPr lang="en-US" dirty="0"/>
-          </a:p>
-        </p:txBody>
-      </p:sp>
-    </p:spTree>
-    <p:extLst>
-      <p:ext uri="{BB962C8B-B14F-4D97-AF65-F5344CB8AC3E}">
-        <p14:creationId xmlns:p14="http://schemas.microsoft.com/office/powerpoint/2010/main" val="3161406026"/>
-      </p:ext>
-    </p:extLst>
-  </p:cSld>
-  <p:clrMapOvr>
-    <a:masterClrMapping/>
-  </p:clrMapOvr>
-  <p:timing>
-    <p:tnLst>
-      <p:par>
-        <p:cTn xmlns:p14="http://schemas.microsoft.com/office/powerpoint/2010/main" id="1" dur="indefinite" restart="never" nodeType="tmRoot"/>
-      </p:par>
-    </p:tnLst>
-  </p:timing>
-</p:sld>
-</file>
-
-<file path=ppt/slides/slide8.xml><?xml version="1.0" encoding="utf-8"?>
-<p:sld xmlns:a="http://schemas.openxmlformats.org/drawingml/2006/main" xmlns:r="http://schemas.openxmlformats.org/officeDocument/2006/relationships" xmlns:p="http://schemas.openxmlformats.org/presentationml/2006/main">
-  <p:cSld>
-    <p:spTree>
-      <p:nvGrpSpPr>
-        <p:cNvPr id="1" name=""/>
-        <p:cNvGrpSpPr/>
-        <p:nvPr/>
-      </p:nvGrpSpPr>
-      <p:grpSpPr>
-        <a:xfrm>
-          <a:off x="0" y="0"/>
-          <a:ext cx="0" cy="0"/>
-          <a:chOff x="0" y="0"/>
-          <a:chExt cx="0" cy="0"/>
-        </a:xfrm>
-      </p:grpSpPr>
-      <p:sp>
-        <p:nvSpPr>
-          <p:cNvPr id="2" name="Title 1"/>
-          <p:cNvSpPr>
-            <a:spLocks noGrp="1"/>
-          </p:cNvSpPr>
-          <p:nvPr>
-            <p:ph type="title"/>
-          </p:nvPr>
-        </p:nvSpPr>
-        <p:spPr/>
-        <p:txBody>
-          <a:bodyPr/>
-          <a:lstStyle/>
-          <a:p>
-            <a:r>
-              <a:rPr lang="en-US" dirty="0" smtClean="0"/>
-              <a:t>…More about Texas Agriculture</a:t>
-            </a:r>
-            <a:endParaRPr lang="en-US" dirty="0"/>
-          </a:p>
-        </p:txBody>
-      </p:sp>
-      <p:sp>
-        <p:nvSpPr>
-          <p:cNvPr id="3" name="Content Placeholder 2"/>
-          <p:cNvSpPr>
-            <a:spLocks noGrp="1"/>
-          </p:cNvSpPr>
-          <p:nvPr>
-            <p:ph sz="quarter" idx="1"/>
-          </p:nvPr>
-        </p:nvSpPr>
-        <p:spPr/>
-        <p:txBody>
-          <a:bodyPr numCol="2">
-            <a:noAutofit/>
-          </a:bodyPr>
-          <a:lstStyle/>
-          <a:p>
-            <a:endParaRPr lang="en-US" sz="1200" dirty="0" smtClean="0"/>
-          </a:p>
-          <a:p>
-            <a:r>
-              <a:rPr lang="en-US" sz="1200" dirty="0"/>
-              <a:t>Texas leads the nation in cattle, cotton, hay, sheep and wool, and goats and mohair production. </a:t>
-            </a:r>
-          </a:p>
-          <a:p>
-            <a:r>
-              <a:rPr lang="en-US" sz="1200" dirty="0"/>
-              <a:t>Texas leads the nation in number of farms and ranches, with 247,500 farms and ranches covering 130.4 million acres. </a:t>
-            </a:r>
-          </a:p>
-          <a:p>
-            <a:r>
-              <a:rPr lang="en-US" sz="1200" dirty="0"/>
-              <a:t>Texas also leads the nation in value of farm real estate.       </a:t>
-            </a:r>
-          </a:p>
-          <a:p>
-            <a:r>
-              <a:rPr lang="en-US" sz="1200" dirty="0"/>
-              <a:t>Rural lands, including privately owned forest, total 144 million acres, 86% of the state's total land area.        </a:t>
-            </a:r>
-          </a:p>
-          <a:p>
-            <a:r>
-              <a:rPr lang="en-US" sz="1200" dirty="0"/>
-              <a:t>12% of Texas' population resides in rural areas.             </a:t>
-            </a:r>
-          </a:p>
-          <a:p>
-            <a:r>
-              <a:rPr lang="en-US" sz="1200" dirty="0"/>
-              <a:t>1 of every 7 working Texans (14%) is in an agriculture-related job.              </a:t>
-            </a:r>
-          </a:p>
-          <a:p>
-            <a:r>
-              <a:rPr lang="en-US" sz="1200" dirty="0"/>
-              <a:t>98.5% of Texas farms and ranches are family farms, partnerships or family-held corporations.        </a:t>
-            </a:r>
-          </a:p>
-          <a:p>
-            <a:r>
-              <a:rPr lang="en-US" sz="1200" dirty="0"/>
-              <a:t>The average age of Texas farmers and ranchers is 57 years.    </a:t>
-            </a:r>
-          </a:p>
-          <a:p>
-            <a:r>
-              <a:rPr lang="en-US" sz="1200" dirty="0"/>
-              <a:t>The economic impact of the food and fiber sector totals more than $100 billion annually. </a:t>
-            </a:r>
-          </a:p>
-          <a:p>
-            <a:r>
-              <a:rPr lang="en-US" sz="1200" dirty="0"/>
-              <a:t>Agricultural cash receipts, including timber, average $20 billion annually</a:t>
-            </a:r>
-            <a:r>
-              <a:rPr lang="en-US" sz="1200" dirty="0" smtClean="0"/>
-              <a:t>.</a:t>
-            </a:r>
-          </a:p>
-          <a:p>
-            <a:endParaRPr lang="en-US" sz="1200" dirty="0"/>
-          </a:p>
-          <a:p>
-            <a:endParaRPr lang="en-US" sz="1200" dirty="0"/>
-          </a:p>
-          <a:p>
-            <a:r>
-              <a:rPr lang="en-US" sz="1200" dirty="0"/>
-              <a:t>Top 10 commodities in terms of cash receipts in 2012:</a:t>
-            </a:r>
-          </a:p>
-          <a:p>
-            <a:pPr lvl="1"/>
-            <a:r>
-              <a:rPr lang="en-US" sz="1200" dirty="0"/>
-              <a:t>Cattle, $10.5 billion</a:t>
-            </a:r>
-          </a:p>
-          <a:p>
-            <a:pPr lvl="1"/>
-            <a:r>
-              <a:rPr lang="en-US" sz="1200" dirty="0"/>
-              <a:t>Cotton, $2.2 billion</a:t>
-            </a:r>
-          </a:p>
-          <a:p>
-            <a:pPr lvl="1"/>
-            <a:r>
-              <a:rPr lang="en-US" sz="1200" dirty="0"/>
-              <a:t>Milk, $1.8 billion</a:t>
-            </a:r>
-          </a:p>
-          <a:p>
-            <a:pPr lvl="1"/>
-            <a:r>
-              <a:rPr lang="en-US" sz="1200" dirty="0"/>
-              <a:t>Broilers, $1.7 billion</a:t>
-            </a:r>
-          </a:p>
-          <a:p>
-            <a:pPr lvl="1"/>
-            <a:r>
-              <a:rPr lang="en-US" sz="1200" dirty="0"/>
-              <a:t>Greenhouse &amp; nursery, $1.3 billion</a:t>
-            </a:r>
-          </a:p>
-          <a:p>
-            <a:pPr lvl="1"/>
-            <a:r>
-              <a:rPr lang="en-US" sz="1200" dirty="0"/>
-              <a:t>Corn, $1.2 billion</a:t>
-            </a:r>
-          </a:p>
-          <a:p>
-            <a:pPr lvl="1"/>
-            <a:r>
-              <a:rPr lang="en-US" sz="1200" dirty="0"/>
-              <a:t>Grain Sorghum, $594 million</a:t>
-            </a:r>
-          </a:p>
-          <a:p>
-            <a:pPr lvl="1"/>
-            <a:r>
-              <a:rPr lang="en-US" sz="1200" dirty="0"/>
-              <a:t>Wheat, $538 million</a:t>
-            </a:r>
-          </a:p>
-          <a:p>
-            <a:pPr lvl="1"/>
-            <a:r>
-              <a:rPr lang="en-US" sz="1200" dirty="0"/>
-              <a:t>Vegetables, $439 million</a:t>
-            </a:r>
-          </a:p>
-          <a:p>
-            <a:pPr lvl="1"/>
-            <a:r>
-              <a:rPr lang="en-US" sz="1200" dirty="0"/>
-              <a:t>Eggs, $439 million</a:t>
-            </a:r>
-          </a:p>
-          <a:p>
-            <a:pPr marL="0" indent="0">
-              <a:buNone/>
-            </a:pPr>
-            <a:r>
-              <a:rPr lang="en-US" sz="1200" dirty="0" smtClean="0"/>
-              <a:t> </a:t>
-            </a:r>
-            <a:endParaRPr lang="en-US" sz="1200" dirty="0"/>
-          </a:p>
-          <a:p>
-            <a:r>
-              <a:rPr lang="en-US" sz="1200" dirty="0"/>
-              <a:t>Agricultural exports to foreign countries totaled nearly than $8 billion in 2011.</a:t>
-            </a:r>
-          </a:p>
-          <a:p>
-            <a:r>
-              <a:rPr lang="en-US" sz="1200" dirty="0"/>
-              <a:t>Texas ranks # 4 overall in agricultural exports behind California, Iowa and Illinois. </a:t>
-            </a:r>
-            <a:endParaRPr lang="en-US" sz="1200" dirty="0" smtClean="0"/>
-          </a:p>
-          <a:p>
-            <a:endParaRPr lang="en-US" sz="1200" dirty="0"/>
-          </a:p>
-          <a:p>
-            <a:r>
-              <a:rPr lang="en-US" sz="1200" dirty="0"/>
-              <a:t>(http://</a:t>
-            </a:r>
-            <a:r>
-              <a:rPr lang="en-US" sz="1200" dirty="0" err="1"/>
-              <a:t>www.texasagriculture.gov</a:t>
-            </a:r>
-            <a:r>
-              <a:rPr lang="en-US" sz="1200" dirty="0" smtClean="0"/>
-              <a:t>/)</a:t>
-            </a:r>
-            <a:endParaRPr lang="en-US" sz="1200" dirty="0"/>
-          </a:p>
-        </p:txBody>
-      </p:sp>
-    </p:spTree>
-    <p:extLst>
-      <p:ext uri="{BB962C8B-B14F-4D97-AF65-F5344CB8AC3E}">
-        <p14:creationId xmlns:p14="http://schemas.microsoft.com/office/powerpoint/2010/main" val="4083538760"/>
-      </p:ext>
-    </p:extLst>
-  </p:cSld>
-  <p:clrMapOvr>
-    <a:masterClrMapping/>
-  </p:clrMapOvr>
-  <p:timing>
-    <p:tnLst>
-      <p:par>
-        <p:cTn xmlns:p14="http://schemas.microsoft.com/office/powerpoint/2010/main" id="1" dur="indefinite" restart="never" nodeType="tmRoot"/>
-      </p:par>
-    </p:tnLst>
-  </p:timing>
-</p:sld>
-</file>
-
 <file path=ppt/slides/slide9.xml><?xml version="1.0" encoding="utf-8"?>
 <p:sld xmlns:a="http://schemas.openxmlformats.org/drawingml/2006/main" xmlns:r="http://schemas.openxmlformats.org/officeDocument/2006/relationships" xmlns:p="http://schemas.openxmlformats.org/presentationml/2006/main">
   <p:cSld>
@@ -8654,68 +8516,94 @@
             <p:ph type="title"/>
           </p:nvPr>
         </p:nvSpPr>
-        <p:spPr>
-          <a:xfrm>
-            <a:off x="301752" y="204636"/>
-            <a:ext cx="8534400" cy="897676"/>
-          </a:xfrm>
-        </p:spPr>
+        <p:spPr/>
+        <p:txBody>
+          <a:bodyPr/>
+          <a:lstStyle/>
+          <a:p>
+            <a:r>
+              <a:rPr lang="en-US" dirty="0" smtClean="0"/>
+              <a:t>Analyzing Logos</a:t>
+            </a:r>
+            <a:endParaRPr lang="en-US" dirty="0"/>
+          </a:p>
+        </p:txBody>
+      </p:sp>
+      <p:sp>
+        <p:nvSpPr>
+          <p:cNvPr id="3" name="Content Placeholder 2"/>
+          <p:cNvSpPr>
+            <a:spLocks noGrp="1"/>
+          </p:cNvSpPr>
+          <p:nvPr>
+            <p:ph sz="quarter" idx="1"/>
+          </p:nvPr>
+        </p:nvSpPr>
+        <p:spPr/>
         <p:txBody>
           <a:bodyPr>
-            <a:normAutofit fontScale="90000"/>
+            <a:normAutofit/>
           </a:bodyPr>
           <a:lstStyle/>
           <a:p>
             <a:r>
               <a:rPr lang="en-US" dirty="0" smtClean="0"/>
-              <a:t>Meet the Republican Candidates for Ag Commissioner (an appeal to ethos)</a:t>
-            </a:r>
-            <a:endParaRPr lang="en-US" dirty="0"/>
-          </a:p>
-        </p:txBody>
-      </p:sp>
-      <p:pic>
-        <p:nvPicPr>
-          <p:cNvPr id="4" name="Content Placeholder 3" descr="Screen Shot 2014-02-27 at 7.57.05 AM.png"/>
-          <p:cNvPicPr>
-            <a:picLocks noGrp="1" noChangeAspect="1"/>
-          </p:cNvPicPr>
-          <p:nvPr>
-            <p:ph sz="quarter" idx="1"/>
-          </p:nvPr>
-        </p:nvPicPr>
-        <p:blipFill>
-          <a:blip r:embed="rId2">
-            <a:extLst>
-              <a:ext uri="{28A0092B-C50C-407E-A947-70E740481C1C}">
-                <a14:useLocalDpi xmlns:a14="http://schemas.microsoft.com/office/drawing/2010/main" val="0"/>
-              </a:ext>
-            </a:extLst>
-          </a:blip>
-          <a:srcRect l="9246" r="9246"/>
-          <a:stretch>
-            <a:fillRect/>
-          </a:stretch>
-        </p:blipFill>
-        <p:spPr/>
-      </p:pic>
+              <a:t>Presence of facts: statistics, dates, measures, legal language, etc.</a:t>
+            </a:r>
+          </a:p>
+          <a:p>
+            <a:pPr lvl="1"/>
+            <a:r>
+              <a:rPr lang="en-US" dirty="0" smtClean="0"/>
+              <a:t>What kind of information is being used? Is it valid?</a:t>
+            </a:r>
+          </a:p>
+          <a:p>
+            <a:pPr lvl="1"/>
+            <a:r>
+              <a:rPr lang="en-US" dirty="0" smtClean="0"/>
+              <a:t>Is any key information missing?</a:t>
+            </a:r>
+          </a:p>
+          <a:p>
+            <a:r>
+              <a:rPr lang="en-US" dirty="0" smtClean="0"/>
+              <a:t>Use of facts: how are facts being used to produce an argument?</a:t>
+            </a:r>
+          </a:p>
+          <a:p>
+            <a:pPr lvl="1"/>
+            <a:r>
+              <a:rPr lang="en-US" dirty="0" smtClean="0"/>
+              <a:t>What are the explicit premises of the argument? Are they sound?</a:t>
+            </a:r>
+            <a:br>
+              <a:rPr lang="en-US" dirty="0" smtClean="0"/>
+            </a:br>
+            <a:r>
+              <a:rPr lang="en-US" dirty="0" smtClean="0"/>
+              <a:t>What are the implicit premises of the argument? Are they sound?</a:t>
+            </a:r>
+          </a:p>
+          <a:p>
+            <a:pPr lvl="1"/>
+            <a:r>
+              <a:rPr lang="en-US" dirty="0" smtClean="0"/>
+              <a:t>What is the conclusion of the argument? Is it sound?</a:t>
+            </a:r>
+          </a:p>
+        </p:txBody>
+      </p:sp>
     </p:spTree>
     <p:extLst>
       <p:ext uri="{BB962C8B-B14F-4D97-AF65-F5344CB8AC3E}">
-        <p14:creationId xmlns:p14="http://schemas.microsoft.com/office/powerpoint/2010/main" val="3977610072"/>
+        <p14:creationId xmlns:p14="http://schemas.microsoft.com/office/powerpoint/2010/main" val="1446485412"/>
       </p:ext>
     </p:extLst>
   </p:cSld>
   <p:clrMapOvr>
     <a:masterClrMapping/>
   </p:clrMapOvr>
-  <p:timing>
-    <p:tnLst>
-      <p:par>
-        <p:cTn xmlns:p14="http://schemas.microsoft.com/office/powerpoint/2010/main" id="1" dur="indefinite" restart="never" nodeType="tmRoot"/>
-      </p:par>
-    </p:tnLst>
-  </p:timing>
 </p:sld>
 </file>
 

--- a/rhe306-spring2014/documents/logosLecture.pptx
+++ b/rhe306-spring2014/documents/logosLecture.pptx
@@ -535,11 +535,7 @@
           <a:p>
             <a:r>
               <a:rPr lang="en-US" baseline="0" dirty="0" smtClean="0"/>
-              <a:t>Pathos: did you threaten the security guard/ </a:t>
-            </a:r>
-            <a:r>
-              <a:rPr lang="en-US" baseline="0" smtClean="0"/>
-              <a:t>produce fear?</a:t>
+              <a:t>Pathos: did you threaten the security guard/ produce fear?</a:t>
             </a:r>
           </a:p>
         </p:txBody>
@@ -663,6 +659,94 @@
     <p:extLst>
       <p:ext uri="{BB962C8B-B14F-4D97-AF65-F5344CB8AC3E}">
         <p14:creationId xmlns:p14="http://schemas.microsoft.com/office/powerpoint/2010/main" val="1389447824"/>
+      </p:ext>
+    </p:extLst>
+  </p:cSld>
+  <p:clrMapOvr>
+    <a:masterClrMapping/>
+  </p:clrMapOvr>
+</p:notes>
+</file>
+
+<file path=ppt/notesSlides/notesSlide3.xml><?xml version="1.0" encoding="utf-8"?>
+<p:notes xmlns:a="http://schemas.openxmlformats.org/drawingml/2006/main" xmlns:r="http://schemas.openxmlformats.org/officeDocument/2006/relationships" xmlns:p="http://schemas.openxmlformats.org/presentationml/2006/main">
+  <p:cSld>
+    <p:spTree>
+      <p:nvGrpSpPr>
+        <p:cNvPr id="1" name=""/>
+        <p:cNvGrpSpPr/>
+        <p:nvPr/>
+      </p:nvGrpSpPr>
+      <p:grpSpPr>
+        <a:xfrm>
+          <a:off x="0" y="0"/>
+          <a:ext cx="0" cy="0"/>
+          <a:chOff x="0" y="0"/>
+          <a:chExt cx="0" cy="0"/>
+        </a:xfrm>
+      </p:grpSpPr>
+      <p:sp>
+        <p:nvSpPr>
+          <p:cNvPr id="2" name="Slide Image Placeholder 1"/>
+          <p:cNvSpPr>
+            <a:spLocks noGrp="1" noRot="1" noChangeAspect="1"/>
+          </p:cNvSpPr>
+          <p:nvPr>
+            <p:ph type="sldImg"/>
+          </p:nvPr>
+        </p:nvSpPr>
+        <p:spPr/>
+      </p:sp>
+      <p:sp>
+        <p:nvSpPr>
+          <p:cNvPr id="3" name="Notes Placeholder 2"/>
+          <p:cNvSpPr>
+            <a:spLocks noGrp="1"/>
+          </p:cNvSpPr>
+          <p:nvPr>
+            <p:ph type="body" idx="1"/>
+          </p:nvPr>
+        </p:nvSpPr>
+        <p:spPr/>
+        <p:txBody>
+          <a:bodyPr/>
+          <a:lstStyle/>
+          <a:p>
+            <a:r>
+              <a:rPr lang="en-US" dirty="0" smtClean="0"/>
+              <a:t>Sandra Watts: 3:55</a:t>
+            </a:r>
+            <a:endParaRPr lang="en-US" dirty="0"/>
+          </a:p>
+        </p:txBody>
+      </p:sp>
+      <p:sp>
+        <p:nvSpPr>
+          <p:cNvPr id="4" name="Slide Number Placeholder 3"/>
+          <p:cNvSpPr>
+            <a:spLocks noGrp="1"/>
+          </p:cNvSpPr>
+          <p:nvPr>
+            <p:ph type="sldNum" sz="quarter" idx="10"/>
+          </p:nvPr>
+        </p:nvSpPr>
+        <p:spPr/>
+        <p:txBody>
+          <a:bodyPr/>
+          <a:lstStyle/>
+          <a:p>
+            <a:fld id="{DD3BD7E7-A791-E34D-8ACB-3FF9B0B3B6AE}" type="slidenum">
+              <a:rPr lang="en-US" smtClean="0"/>
+              <a:t>12</a:t>
+            </a:fld>
+            <a:endParaRPr lang="en-US"/>
+          </a:p>
+        </p:txBody>
+      </p:sp>
+    </p:spTree>
+    <p:extLst>
+      <p:ext uri="{BB962C8B-B14F-4D97-AF65-F5344CB8AC3E}">
+        <p14:creationId xmlns:p14="http://schemas.microsoft.com/office/powerpoint/2010/main" val="1464865491"/>
       </p:ext>
     </p:extLst>
   </p:cSld>
@@ -6857,7 +6941,7 @@
         <p:spPr/>
         <p:txBody>
           <a:bodyPr>
-            <a:normAutofit/>
+            <a:normAutofit lnSpcReduction="10000"/>
           </a:bodyPr>
           <a:lstStyle/>
           <a:p>
@@ -6962,6 +7046,13 @@
               <a:rPr lang="en-US" dirty="0" smtClean="0"/>
               <a:t>herefore, ~T(x)</a:t>
             </a:r>
+          </a:p>
+          <a:p>
+            <a:r>
+              <a:rPr lang="en-US" dirty="0" smtClean="0"/>
+              <a:t>Brigham Young!</a:t>
+            </a:r>
+            <a:endParaRPr lang="en-US" dirty="0"/>
           </a:p>
         </p:txBody>
       </p:sp>
@@ -7035,29 +7126,28 @@
           <a:p>
             <a:r>
               <a:rPr lang="en-US" dirty="0" smtClean="0"/>
+              <a:t>Texas Attorney General Terry Branch:</a:t>
+            </a:r>
+          </a:p>
+          <a:p>
+            <a:pPr lvl="1"/>
+            <a:r>
+              <a:rPr lang="en-US" dirty="0"/>
+              <a:t>http://</a:t>
+            </a:r>
+            <a:r>
+              <a:rPr lang="en-US" dirty="0" err="1"/>
+              <a:t>youtu.be</a:t>
+            </a:r>
+            <a:r>
+              <a:rPr lang="en-US"/>
+              <a:t>/hnmvnk2UXV0</a:t>
+            </a:r>
+          </a:p>
+          <a:p>
+            <a:r>
+              <a:rPr lang="en-US" dirty="0" smtClean="0"/>
               <a:t>Sandra Watts and the Texas Voter ID Laws Controversy</a:t>
-            </a:r>
-          </a:p>
-          <a:p>
-            <a:pPr lvl="1"/>
-            <a:r>
-              <a:rPr lang="en-US" dirty="0">
-                <a:hlinkClick r:id="rId2"/>
-              </a:rPr>
-              <a:t>http://youtu.be/</a:t>
-            </a:r>
-            <a:r>
-              <a:rPr lang="en-US" dirty="0" smtClean="0">
-                <a:hlinkClick r:id="rId2"/>
-              </a:rPr>
-              <a:t>PPQsJKpZKCM</a:t>
-            </a:r>
-            <a:endParaRPr lang="en-US" dirty="0" smtClean="0"/>
-          </a:p>
-          <a:p>
-            <a:r>
-              <a:rPr lang="en-US" dirty="0" smtClean="0"/>
-              <a:t>Rick Perry Rebuttal to the DOJ concerns</a:t>
             </a:r>
           </a:p>
           <a:p>
@@ -7066,11 +7156,33 @@
               <a:rPr lang="en-US" dirty="0">
                 <a:hlinkClick r:id="rId3"/>
               </a:rPr>
-              <a:t>http://video.foxnews.com/v/2625289022001/gov-perry-on-doj-plan-to-sue-texas-over-voter-id-law</a:t>
+              <a:t>http://youtu.be/</a:t>
             </a:r>
             <a:r>
               <a:rPr lang="en-US" dirty="0" smtClean="0">
                 <a:hlinkClick r:id="rId3"/>
+              </a:rPr>
+              <a:t>PPQsJKpZKCM</a:t>
+            </a:r>
+            <a:endParaRPr lang="en-US" dirty="0" smtClean="0"/>
+          </a:p>
+          <a:p>
+            <a:r>
+              <a:rPr lang="en-US" dirty="0" smtClean="0"/>
+              <a:t>Rick Perry Rebuttal to the DOJ concerns</a:t>
+            </a:r>
+          </a:p>
+          <a:p>
+            <a:pPr lvl="1"/>
+            <a:r>
+              <a:rPr lang="en-US" dirty="0">
+                <a:hlinkClick r:id="rId4"/>
+              </a:rPr>
+              <a:t>http://video.foxnews.com/v/2625289022001/gov-perry-on-doj-plan-to-sue-texas-over-voter-id-law</a:t>
+            </a:r>
+            <a:r>
+              <a:rPr lang="en-US" dirty="0" smtClean="0">
+                <a:hlinkClick r:id="rId4"/>
               </a:rPr>
               <a:t>/</a:t>
             </a:r>
@@ -7913,8 +8025,16 @@
           <a:lstStyle/>
           <a:p>
             <a:r>
+              <a:rPr lang="en-US" dirty="0" smtClean="0">
+                <a:solidFill>
+                  <a:schemeClr val="accent1"/>
+                </a:solidFill>
+              </a:rPr>
+              <a:t>“Situated ethos”</a:t>
+            </a:r>
+            <a:r>
               <a:rPr lang="en-US" dirty="0" smtClean="0"/>
-              <a:t>“Situated ethos”: The authority you carry with you</a:t>
+              <a:t>: The authority you carry with you</a:t>
             </a:r>
             <a:br>
               <a:rPr lang="en-US" dirty="0" smtClean="0"/>
@@ -7923,8 +8043,16 @@
           </a:p>
           <a:p>
             <a:r>
+              <a:rPr lang="en-US" dirty="0" smtClean="0">
+                <a:solidFill>
+                  <a:srgbClr val="D16349"/>
+                </a:solidFill>
+              </a:rPr>
+              <a:t>“Invented ethos”</a:t>
+            </a:r>
+            <a:r>
               <a:rPr lang="en-US" dirty="0" smtClean="0"/>
-              <a:t>“Invented ethos”: the authority you establish through self-presentation</a:t>
+              <a:t>: the authority you establish through self-presentation</a:t>
             </a:r>
             <a:br>
               <a:rPr lang="en-US" dirty="0" smtClean="0"/>
@@ -7933,8 +8061,16 @@
           </a:p>
           <a:p>
             <a:r>
+              <a:rPr lang="en-US" dirty="0">
+                <a:solidFill>
+                  <a:srgbClr val="D16349"/>
+                </a:solidFill>
+              </a:rPr>
+              <a:t>Commonplaces</a:t>
+            </a:r>
+            <a:r>
               <a:rPr lang="en-US" dirty="0"/>
-              <a:t>Commonplaces: what everyone in a given community believes </a:t>
+              <a:t>: what everyone in a given community believes </a:t>
             </a:r>
             <a:r>
               <a:rPr lang="en-US" i="1" dirty="0"/>

--- a/rhe306-spring2014/documents/logosLecture.pptx
+++ b/rhe306-spring2014/documents/logosLecture.pptx
@@ -205,7 +205,7 @@
           <a:p>
             <a:fld id="{C7D41FAA-B7A4-2E46-867F-180959296F4C}" type="datetimeFigureOut">
               <a:rPr lang="en-US" smtClean="0"/>
-              <a:t>3/3/14</a:t>
+              <a:t>3/4/14</a:t>
             </a:fld>
             <a:endParaRPr lang="en-US"/>
           </a:p>
@@ -1037,7 +1037,7 @@
             <a:fld id="{451DEABC-D766-4322-8E78-B830FAE35C72}" type="datetime4">
               <a:rPr lang="en-US" smtClean="0"/>
               <a:pPr/>
-              <a:t>March 3, 2014</a:t>
+              <a:t>March 4, 2014</a:t>
             </a:fld>
             <a:endParaRPr lang="en-US" dirty="0"/>
           </a:p>
@@ -1432,7 +1432,7 @@
             <a:fld id="{F3131F9E-604E-4343-9F29-EF72E8231CAD}" type="datetime4">
               <a:rPr lang="en-US" smtClean="0"/>
               <a:pPr/>
-              <a:t>March 3, 2014</a:t>
+              <a:t>March 4, 2014</a:t>
             </a:fld>
             <a:endParaRPr lang="en-US"/>
           </a:p>
@@ -1967,7 +1967,7 @@
             <a:fld id="{34A8E1CE-37F8-4102-8DF9-852A0A51F293}" type="datetime4">
               <a:rPr lang="en-US" smtClean="0"/>
               <a:pPr/>
-              <a:t>March 3, 2014</a:t>
+              <a:t>March 4, 2014</a:t>
             </a:fld>
             <a:endParaRPr lang="en-US"/>
           </a:p>
@@ -2101,7 +2101,7 @@
             <a:fld id="{93333F43-3E86-47E4-BFBB-2476D384E1C6}" type="datetime4">
               <a:rPr lang="en-US" smtClean="0"/>
               <a:pPr/>
-              <a:t>March 3, 2014</a:t>
+              <a:t>March 4, 2014</a:t>
             </a:fld>
             <a:endParaRPr lang="en-US"/>
           </a:p>
@@ -2646,7 +2646,7 @@
             <a:fld id="{751663BA-01FC-4367-B6F3-ABB2645D55F1}" type="datetime4">
               <a:rPr lang="en-US" smtClean="0"/>
               <a:pPr/>
-              <a:t>March 3, 2014</a:t>
+              <a:t>March 4, 2014</a:t>
             </a:fld>
             <a:endParaRPr lang="en-US" dirty="0"/>
           </a:p>
@@ -2943,7 +2943,7 @@
             <a:fld id="{79B19C71-EC74-44AF-B27E-FC7DC3C3A61D}" type="datetime4">
               <a:rPr lang="en-US" smtClean="0"/>
               <a:pPr/>
-              <a:t>March 3, 2014</a:t>
+              <a:t>March 4, 2014</a:t>
             </a:fld>
             <a:endParaRPr lang="en-US"/>
           </a:p>
@@ -3604,7 +3604,7 @@
             <a:fld id="{6A5CDA29-3CBE-48EA-92AE-A996835462BA}" type="datetime4">
               <a:rPr lang="en-US" smtClean="0"/>
               <a:pPr/>
-              <a:t>March 3, 2014</a:t>
+              <a:t>March 4, 2014</a:t>
             </a:fld>
             <a:endParaRPr lang="en-US"/>
           </a:p>
@@ -4042,7 +4042,7 @@
             <a:fld id="{E29EC054-3869-4501-B163-1BBFDE8DCE04}" type="datetime4">
               <a:rPr lang="en-US" smtClean="0"/>
               <a:pPr/>
-              <a:t>March 3, 2014</a:t>
+              <a:t>March 4, 2014</a:t>
             </a:fld>
             <a:endParaRPr lang="en-US"/>
           </a:p>
@@ -4357,7 +4357,7 @@
             <a:fld id="{0A63D831-56C1-49CF-8EF7-8B9A98402BCD}" type="datetime4">
               <a:rPr lang="en-US" smtClean="0"/>
               <a:pPr/>
-              <a:t>March 3, 2014</a:t>
+              <a:t>March 4, 2014</a:t>
             </a:fld>
             <a:endParaRPr lang="en-US"/>
           </a:p>
@@ -5092,7 +5092,7 @@
             <a:fld id="{6EAD5615-7F4F-4584-84D5-CC95918C321F}" type="datetime4">
               <a:rPr lang="en-US" smtClean="0"/>
               <a:pPr/>
-              <a:t>March 3, 2014</a:t>
+              <a:t>March 4, 2014</a:t>
             </a:fld>
             <a:endParaRPr lang="en-US"/>
           </a:p>
@@ -5758,7 +5758,7 @@
             <a:fld id="{76EEA923-9BEE-48CE-9F28-5B525F399BAD}" type="datetime4">
               <a:rPr lang="en-US" smtClean="0"/>
               <a:pPr/>
-              <a:t>March 3, 2014</a:t>
+              <a:t>March 4, 2014</a:t>
             </a:fld>
             <a:endParaRPr lang="en-US"/>
           </a:p>
@@ -6032,7 +6032,7 @@
             <a:fld id="{17D0EFEE-2756-4A20-BF2A-63F0A94F99AC}" type="datetime4">
               <a:rPr lang="en-US" smtClean="0"/>
               <a:pPr/>
-              <a:t>March 3, 2014</a:t>
+              <a:t>March 4, 2014</a:t>
             </a:fld>
             <a:endParaRPr lang="en-US" dirty="0"/>
           </a:p>
@@ -6724,38 +6724,30 @@
           <a:p>
             <a:r>
               <a:rPr lang="en-US" dirty="0" smtClean="0"/>
-              <a:t>Or: the art of </a:t>
-            </a:r>
+              <a:t>Or: the art of sounding reasonable</a:t>
+            </a:r>
+            <a:endParaRPr lang="en-US" dirty="0"/>
+          </a:p>
+        </p:txBody>
+      </p:sp>
+      <p:sp>
+        <p:nvSpPr>
+          <p:cNvPr id="2" name="Title 1"/>
+          <p:cNvSpPr>
+            <a:spLocks noGrp="1"/>
+          </p:cNvSpPr>
+          <p:nvPr>
+            <p:ph type="ctrTitle"/>
+          </p:nvPr>
+        </p:nvSpPr>
+        <p:spPr/>
+        <p:txBody>
+          <a:bodyPr/>
+          <a:lstStyle/>
+          <a:p>
             <a:r>
               <a:rPr lang="en-US" dirty="0" smtClean="0"/>
-              <a:t>sounding reasonable</a:t>
-            </a:r>
-            <a:endParaRPr lang="en-US" dirty="0"/>
-          </a:p>
-        </p:txBody>
-      </p:sp>
-      <p:sp>
-        <p:nvSpPr>
-          <p:cNvPr id="2" name="Title 1"/>
-          <p:cNvSpPr>
-            <a:spLocks noGrp="1"/>
-          </p:cNvSpPr>
-          <p:nvPr>
-            <p:ph type="ctrTitle"/>
-          </p:nvPr>
-        </p:nvSpPr>
-        <p:spPr/>
-        <p:txBody>
-          <a:bodyPr/>
-          <a:lstStyle/>
-          <a:p>
-            <a:r>
-              <a:rPr lang="en-US" dirty="0" smtClean="0"/>
-              <a:t>A matter of </a:t>
-            </a:r>
-            <a:r>
-              <a:rPr lang="en-US" dirty="0" smtClean="0"/>
-              <a:t>truth</a:t>
+              <a:t>A matter of truth</a:t>
             </a:r>
             <a:endParaRPr lang="en-US" dirty="0"/>
           </a:p>
@@ -7126,28 +7118,19 @@
           <a:p>
             <a:r>
               <a:rPr lang="en-US" dirty="0" smtClean="0"/>
-              <a:t>Texas Attorney General Terry Branch:</a:t>
-            </a:r>
-          </a:p>
-          <a:p>
-            <a:pPr lvl="1"/>
-            <a:r>
-              <a:rPr lang="en-US" dirty="0"/>
-              <a:t>http://</a:t>
-            </a:r>
-            <a:r>
-              <a:rPr lang="en-US" dirty="0" err="1"/>
-              <a:t>youtu.be</a:t>
-            </a:r>
-            <a:r>
-              <a:rPr lang="en-US"/>
-              <a:t>/hnmvnk2UXV0</a:t>
-            </a:r>
-          </a:p>
-          <a:p>
+              <a:t>Texas Attorney </a:t>
+            </a:r>
+            <a:r>
+              <a:rPr lang="en-US" smtClean="0"/>
+              <a:t>General </a:t>
+            </a:r>
+            <a:r>
+              <a:rPr lang="en-US" smtClean="0"/>
+              <a:t>Dan Branch</a:t>
+            </a:r>
             <a:r>
               <a:rPr lang="en-US" dirty="0" smtClean="0"/>
-              <a:t>Sandra Watts and the Texas Voter ID Laws Controversy</a:t>
+              <a:t>:</a:t>
             </a:r>
           </a:p>
           <a:p>
@@ -7162,14 +7145,14 @@
               <a:rPr lang="en-US" dirty="0" smtClean="0">
                 <a:hlinkClick r:id="rId3"/>
               </a:rPr>
-              <a:t>PPQsJKpZKCM</a:t>
-            </a:r>
-            <a:endParaRPr lang="en-US" dirty="0" smtClean="0"/>
+              <a:t>hnmvnk2UXV0</a:t>
+            </a:r>
+            <a:endParaRPr lang="en-US" dirty="0"/>
           </a:p>
           <a:p>
             <a:r>
               <a:rPr lang="en-US" dirty="0" smtClean="0"/>
-              <a:t>Rick Perry Rebuttal to the DOJ concerns</a:t>
+              <a:t>Sandra Watts and the Texas Voter ID Laws Controversy</a:t>
             </a:r>
           </a:p>
           <a:p>
@@ -7178,11 +7161,33 @@
               <a:rPr lang="en-US" dirty="0">
                 <a:hlinkClick r:id="rId4"/>
               </a:rPr>
-              <a:t>http://video.foxnews.com/v/2625289022001/gov-perry-on-doj-plan-to-sue-texas-over-voter-id-law</a:t>
+              <a:t>http://youtu.be/</a:t>
             </a:r>
             <a:r>
               <a:rPr lang="en-US" dirty="0" smtClean="0">
                 <a:hlinkClick r:id="rId4"/>
+              </a:rPr>
+              <a:t>PPQsJKpZKCM</a:t>
+            </a:r>
+            <a:endParaRPr lang="en-US" dirty="0" smtClean="0"/>
+          </a:p>
+          <a:p>
+            <a:r>
+              <a:rPr lang="en-US" dirty="0" smtClean="0"/>
+              <a:t>Rick Perry Rebuttal to the DOJ concerns</a:t>
+            </a:r>
+          </a:p>
+          <a:p>
+            <a:pPr lvl="1"/>
+            <a:r>
+              <a:rPr lang="en-US" dirty="0">
+                <a:hlinkClick r:id="rId5"/>
+              </a:rPr>
+              <a:t>http://video.foxnews.com/v/2625289022001/gov-perry-on-doj-plan-to-sue-texas-over-voter-id-law</a:t>
+            </a:r>
+            <a:r>
+              <a:rPr lang="en-US" dirty="0" smtClean="0">
+                <a:hlinkClick r:id="rId5"/>
               </a:rPr>
               <a:t>/</a:t>
             </a:r>
@@ -7372,22 +7377,12 @@
               </a:rPr>
               <a:t>Logical Appeals</a:t>
             </a:r>
-            <a:endParaRPr lang="en-US" i="1" dirty="0" smtClean="0">
-              <a:solidFill>
-                <a:srgbClr val="D16349"/>
-              </a:solidFill>
-            </a:endParaRPr>
           </a:p>
           <a:p>
             <a:r>
               <a:rPr lang="en-US" i="1" dirty="0" smtClean="0"/>
-              <a:t>The art of sounding </a:t>
-            </a:r>
-            <a:r>
-              <a:rPr lang="en-US" i="1" dirty="0" smtClean="0"/>
-              <a:t>reasonable</a:t>
-            </a:r>
-            <a:endParaRPr lang="en-US" i="1" dirty="0" smtClean="0"/>
+              <a:t>The art of sounding reasonable</a:t>
+            </a:r>
           </a:p>
           <a:p>
             <a:r>
@@ -7414,11 +7409,6 @@
               </a:rPr>
               <a:t>Writing about logic</a:t>
             </a:r>
-            <a:endParaRPr lang="en-US" dirty="0" smtClean="0">
-              <a:solidFill>
-                <a:srgbClr val="D16349"/>
-              </a:solidFill>
-            </a:endParaRPr>
           </a:p>
           <a:p>
             <a:r>
@@ -7908,11 +7898,7 @@
           <a:p>
             <a:r>
               <a:rPr lang="en-US" dirty="0" smtClean="0"/>
-              <a:t>Review: </a:t>
-            </a:r>
-            <a:r>
-              <a:rPr lang="en-US" dirty="0" smtClean="0"/>
-              <a:t>Ethos &amp; Pathos</a:t>
+              <a:t>Review: Ethos &amp; Pathos</a:t>
             </a:r>
             <a:endParaRPr lang="en-US" dirty="0"/>
           </a:p>
@@ -8288,11 +8274,7 @@
           <a:p>
             <a:r>
               <a:rPr lang="en-US" dirty="0" smtClean="0"/>
-              <a:t>Writing break</a:t>
-            </a:r>
-            <a:r>
-              <a:rPr lang="en-US" dirty="0" smtClean="0"/>
-              <a:t>: Making a Claim </a:t>
+              <a:t>Writing break: Making a Claim </a:t>
             </a:r>
             <a:endParaRPr lang="en-US" dirty="0"/>
           </a:p>
@@ -8369,13 +8351,8 @@
             </a:r>
             <a:r>
               <a:rPr lang="en-US" dirty="0" smtClean="0"/>
-              <a:t>,” calling them “politica</a:t>
-            </a:r>
-            <a:r>
-              <a:rPr lang="en-US" dirty="0" smtClean="0"/>
-              <a:t>l termites.”</a:t>
-            </a:r>
-            <a:endParaRPr lang="en-US" dirty="0" smtClean="0"/>
+              <a:t>,” calling them “political termites.”</a:t>
+            </a:r>
           </a:p>
           <a:p>
             <a:pPr lvl="1"/>
@@ -8388,11 +8365,7 @@
             <a:pPr lvl="2"/>
             <a:r>
               <a:rPr lang="en-US" dirty="0" smtClean="0"/>
-              <a:t>This metaphor suggests that democrats are an invasive species which will destroy governmental infrastructure, leading to collapse. </a:t>
-            </a:r>
-            <a:r>
-              <a:rPr lang="en-US" dirty="0" smtClean="0"/>
-              <a:t>It further suggests that the only solution is extermination – and that Joe </a:t>
+              <a:t>This metaphor suggests that democrats are an invasive species which will destroy governmental infrastructure, leading to collapse. It further suggests that the only solution is extermination – and that Joe </a:t>
             </a:r>
             <a:r>
               <a:rPr lang="en-US" dirty="0" err="1" smtClean="0"/>

--- a/rhe306-spring2014/documents/logosLecture.pptx
+++ b/rhe306-spring2014/documents/logosLecture.pptx
@@ -714,7 +714,27 @@
           <a:p>
             <a:r>
               <a:rPr lang="en-US" dirty="0" smtClean="0"/>
-              <a:t>Sandra Watts: 3:55</a:t>
+              <a:t>Sandra Watts: 3:</a:t>
+            </a:r>
+            <a:r>
+              <a:rPr lang="en-US" dirty="0" smtClean="0"/>
+              <a:t>55</a:t>
+            </a:r>
+          </a:p>
+          <a:p>
+            <a:r>
+              <a:rPr lang="en-US" dirty="0" smtClean="0"/>
+              <a:t>Tenth Amendment:  powers not granted to the federal government by the Constitution, nor prohibited to the States, are reserved to the States or the people.</a:t>
+            </a:r>
+          </a:p>
+          <a:p>
+            <a:r>
+              <a:rPr lang="en-US" smtClean="0"/>
+              <a:t>Rick Perry</a:t>
+            </a:r>
+            <a:r>
+              <a:rPr lang="en-US" baseline="0" smtClean="0"/>
+              <a:t> at 2:25</a:t>
             </a:r>
             <a:endParaRPr lang="en-US" dirty="0"/>
           </a:p>
@@ -7118,14 +7138,10 @@
           <a:p>
             <a:r>
               <a:rPr lang="en-US" dirty="0" smtClean="0"/>
-              <a:t>Texas Attorney </a:t>
-            </a:r>
-            <a:r>
-              <a:rPr lang="en-US" smtClean="0"/>
-              <a:t>General </a:t>
-            </a:r>
-            <a:r>
-              <a:rPr lang="en-US" smtClean="0"/>
+              <a:t>Texas Attorney General </a:t>
+            </a:r>
+            <a:r>
+              <a:rPr lang="en-US" dirty="0" smtClean="0"/>
               <a:t>Dan Branch</a:t>
             </a:r>
             <a:r>
